--- a/slides/Intro_to_Python_MiCM_slides_2023.pptx
+++ b/slides/Intro_to_Python_MiCM_slides_2023.pptx
@@ -2002,7 +2002,7 @@
   <pc:docChgLst>
     <pc:chgData name="Benjamin Rudski" userId="7f27de5a-3504-4373-b72f-f1b4087044b9" providerId="ADAL" clId="{84D124EA-33A7-8D46-B9C8-64E9CEE1495D}"/>
     <pc:docChg chg="undo custSel addSld delSld modSld">
-      <pc:chgData name="Benjamin Rudski" userId="7f27de5a-3504-4373-b72f-f1b4087044b9" providerId="ADAL" clId="{84D124EA-33A7-8D46-B9C8-64E9CEE1495D}" dt="2023-07-28T02:59:16.821" v="374"/>
+      <pc:chgData name="Benjamin Rudski" userId="7f27de5a-3504-4373-b72f-f1b4087044b9" providerId="ADAL" clId="{84D124EA-33A7-8D46-B9C8-64E9CEE1495D}" dt="2023-07-28T21:27:15.460" v="381" actId="20577"/>
       <pc:docMkLst>
         <pc:docMk/>
       </pc:docMkLst>
@@ -2022,13 +2022,13 @@
         </pc:spChg>
       </pc:sldChg>
       <pc:sldChg chg="modSp mod">
-        <pc:chgData name="Benjamin Rudski" userId="7f27de5a-3504-4373-b72f-f1b4087044b9" providerId="ADAL" clId="{84D124EA-33A7-8D46-B9C8-64E9CEE1495D}" dt="2023-07-23T21:21:52.687" v="63" actId="20577"/>
+        <pc:chgData name="Benjamin Rudski" userId="7f27de5a-3504-4373-b72f-f1b4087044b9" providerId="ADAL" clId="{84D124EA-33A7-8D46-B9C8-64E9CEE1495D}" dt="2023-07-28T21:27:15.460" v="381" actId="20577"/>
         <pc:sldMkLst>
           <pc:docMk/>
           <pc:sldMk cId="1582153289" sldId="328"/>
         </pc:sldMkLst>
         <pc:spChg chg="mod">
-          <ac:chgData name="Benjamin Rudski" userId="7f27de5a-3504-4373-b72f-f1b4087044b9" providerId="ADAL" clId="{84D124EA-33A7-8D46-B9C8-64E9CEE1495D}" dt="2023-07-23T21:21:52.687" v="63" actId="20577"/>
+          <ac:chgData name="Benjamin Rudski" userId="7f27de5a-3504-4373-b72f-f1b4087044b9" providerId="ADAL" clId="{84D124EA-33A7-8D46-B9C8-64E9CEE1495D}" dt="2023-07-28T21:27:15.460" v="381" actId="20577"/>
           <ac:spMkLst>
             <pc:docMk/>
             <pc:sldMk cId="1582153289" sldId="328"/>
@@ -7996,7 +7996,7 @@
           <a:p>
             <a:fld id="{217E5156-1B5D-054E-B5B2-E1B1BA160252}" type="datetimeFigureOut">
               <a:rPr lang="fr-FR" smtClean="0"/>
-              <a:t>23/07/2023</a:t>
+              <a:t>28/07/2023</a:t>
             </a:fld>
             <a:endParaRPr lang="fr-FR"/>
           </a:p>
@@ -14418,6 +14418,17 @@
             </a:r>
           </a:p>
           <a:p>
+            <a:pPr marL="1371375" lvl="2" indent="-457200">
+              <a:buFont typeface="+mj-lt"/>
+              <a:buAutoNum type="arabicPeriod"/>
+            </a:pPr>
+            <a:r>
+              <a:rPr lang="en-CA"/>
+              <a:t>Sneak Peek: Object-Oriented Programming</a:t>
+            </a:r>
+            <a:endParaRPr lang="en-CA" dirty="0"/>
+          </a:p>
+          <a:p>
             <a:pPr marL="914288" lvl="1" indent="-457200">
               <a:buFont typeface="+mj-lt"/>
               <a:buAutoNum type="arabicPeriod" startAt="4"/>
@@ -14445,16 +14456,6 @@
             <a:r>
               <a:rPr lang="en-CA" dirty="0"/>
               <a:t>Package management</a:t>
-            </a:r>
-          </a:p>
-          <a:p>
-            <a:pPr marL="1371375" lvl="2" indent="-457200">
-              <a:buFont typeface="+mj-lt"/>
-              <a:buAutoNum type="arabicPeriod"/>
-            </a:pPr>
-            <a:r>
-              <a:rPr lang="en-CA" dirty="0"/>
-              <a:t>Sneak Peek: Object-Oriented Programming</a:t>
             </a:r>
           </a:p>
           <a:p>

--- a/slides/Intro_to_Python_MiCM_slides_2023.pptx
+++ b/slides/Intro_to_Python_MiCM_slides_2023.pptx
@@ -5,7 +5,7 @@
     <p:sldMasterId id="2147483660" r:id="rId1"/>
   </p:sldMasterIdLst>
   <p:notesMasterIdLst>
-    <p:notesMasterId r:id="rId18"/>
+    <p:notesMasterId r:id="rId16"/>
   </p:notesMasterIdLst>
   <p:sldIdLst>
     <p:sldId id="318" r:id="rId2"/>
@@ -18,12 +18,10 @@
     <p:sldId id="333" r:id="rId9"/>
     <p:sldId id="334" r:id="rId10"/>
     <p:sldId id="335" r:id="rId11"/>
-    <p:sldId id="336" r:id="rId12"/>
-    <p:sldId id="337" r:id="rId13"/>
-    <p:sldId id="338" r:id="rId14"/>
-    <p:sldId id="339" r:id="rId15"/>
-    <p:sldId id="329" r:id="rId16"/>
-    <p:sldId id="340" r:id="rId17"/>
+    <p:sldId id="338" r:id="rId12"/>
+    <p:sldId id="339" r:id="rId13"/>
+    <p:sldId id="329" r:id="rId14"/>
+    <p:sldId id="340" r:id="rId15"/>
   </p:sldIdLst>
   <p:sldSz cx="9144000" cy="6858000" type="screen4x3"/>
   <p:notesSz cx="6858000" cy="9144000"/>
@@ -133,7 +131,7 @@
 <file path=ppt/revisionInfo.xml><?xml version="1.0" encoding="utf-8"?>
 <p1510:revInfo xmlns:a="http://schemas.openxmlformats.org/drawingml/2006/main" xmlns:r="http://schemas.openxmlformats.org/officeDocument/2006/relationships" xmlns:p1510="http://schemas.microsoft.com/office/powerpoint/2015/10/main">
   <p1510:revLst>
-    <p1510:client id="{84D124EA-33A7-8D46-B9C8-64E9CEE1495D}" v="41" dt="2023-07-28T02:59:16.822"/>
+    <p1510:client id="{38311C15-AE62-224B-B612-F505BE60F418}" v="30" dt="2023-08-01T00:13:43.088"/>
   </p1510:revLst>
 </p1510:revInfo>
 </file>
@@ -1996,6 +1994,246 @@
             <ac:picMk id="13" creationId="{B9CDF1AC-2032-54AA-20A3-E196CBE43A38}"/>
           </ac:picMkLst>
         </pc:picChg>
+      </pc:sldMasterChg>
+    </pc:docChg>
+  </pc:docChgLst>
+  <pc:docChgLst>
+    <pc:chgData name="Benjamin Rudski" userId="7f27de5a-3504-4373-b72f-f1b4087044b9" providerId="ADAL" clId="{38311C15-AE62-224B-B612-F505BE60F418}"/>
+    <pc:docChg chg="custSel delSld modSld modMainMaster">
+      <pc:chgData name="Benjamin Rudski" userId="7f27de5a-3504-4373-b72f-f1b4087044b9" providerId="ADAL" clId="{38311C15-AE62-224B-B612-F505BE60F418}" dt="2023-08-01T00:24:20.229" v="175" actId="478"/>
+      <pc:docMkLst>
+        <pc:docMk/>
+      </pc:docMkLst>
+      <pc:sldChg chg="modTransition">
+        <pc:chgData name="Benjamin Rudski" userId="7f27de5a-3504-4373-b72f-f1b4087044b9" providerId="ADAL" clId="{38311C15-AE62-224B-B612-F505BE60F418}" dt="2023-07-30T18:52:25.987" v="28"/>
+        <pc:sldMkLst>
+          <pc:docMk/>
+          <pc:sldMk cId="3133242724" sldId="262"/>
+        </pc:sldMkLst>
+      </pc:sldChg>
+      <pc:sldChg chg="modTransition">
+        <pc:chgData name="Benjamin Rudski" userId="7f27de5a-3504-4373-b72f-f1b4087044b9" providerId="ADAL" clId="{38311C15-AE62-224B-B612-F505BE60F418}" dt="2023-07-30T18:52:25.987" v="28"/>
+        <pc:sldMkLst>
+          <pc:docMk/>
+          <pc:sldMk cId="636970134" sldId="318"/>
+        </pc:sldMkLst>
+      </pc:sldChg>
+      <pc:sldChg chg="modSp mod modTransition">
+        <pc:chgData name="Benjamin Rudski" userId="7f27de5a-3504-4373-b72f-f1b4087044b9" providerId="ADAL" clId="{38311C15-AE62-224B-B612-F505BE60F418}" dt="2023-07-30T18:53:44.108" v="170" actId="1036"/>
+        <pc:sldMkLst>
+          <pc:docMk/>
+          <pc:sldMk cId="1252690021" sldId="320"/>
+        </pc:sldMkLst>
+        <pc:spChg chg="mod">
+          <ac:chgData name="Benjamin Rudski" userId="7f27de5a-3504-4373-b72f-f1b4087044b9" providerId="ADAL" clId="{38311C15-AE62-224B-B612-F505BE60F418}" dt="2023-07-30T18:53:39.108" v="151" actId="20577"/>
+          <ac:spMkLst>
+            <pc:docMk/>
+            <pc:sldMk cId="1252690021" sldId="320"/>
+            <ac:spMk id="3" creationId="{B5A78A10-CF04-54F5-172E-5527BA64C2F8}"/>
+          </ac:spMkLst>
+        </pc:spChg>
+        <pc:spChg chg="mod">
+          <ac:chgData name="Benjamin Rudski" userId="7f27de5a-3504-4373-b72f-f1b4087044b9" providerId="ADAL" clId="{38311C15-AE62-224B-B612-F505BE60F418}" dt="2023-07-30T18:53:44.108" v="170" actId="1036"/>
+          <ac:spMkLst>
+            <pc:docMk/>
+            <pc:sldMk cId="1252690021" sldId="320"/>
+            <ac:spMk id="10" creationId="{A271F9CD-FF78-6021-1FE1-1A6328358DA7}"/>
+          </ac:spMkLst>
+        </pc:spChg>
+      </pc:sldChg>
+      <pc:sldChg chg="modTransition">
+        <pc:chgData name="Benjamin Rudski" userId="7f27de5a-3504-4373-b72f-f1b4087044b9" providerId="ADAL" clId="{38311C15-AE62-224B-B612-F505BE60F418}" dt="2023-07-30T18:52:25.987" v="28"/>
+        <pc:sldMkLst>
+          <pc:docMk/>
+          <pc:sldMk cId="1037799279" sldId="327"/>
+        </pc:sldMkLst>
+      </pc:sldChg>
+      <pc:sldChg chg="modTransition">
+        <pc:chgData name="Benjamin Rudski" userId="7f27de5a-3504-4373-b72f-f1b4087044b9" providerId="ADAL" clId="{38311C15-AE62-224B-B612-F505BE60F418}" dt="2023-07-30T18:52:25.987" v="28"/>
+        <pc:sldMkLst>
+          <pc:docMk/>
+          <pc:sldMk cId="1582153289" sldId="328"/>
+        </pc:sldMkLst>
+      </pc:sldChg>
+      <pc:sldChg chg="modTransition">
+        <pc:chgData name="Benjamin Rudski" userId="7f27de5a-3504-4373-b72f-f1b4087044b9" providerId="ADAL" clId="{38311C15-AE62-224B-B612-F505BE60F418}" dt="2023-07-30T18:52:25.987" v="28"/>
+        <pc:sldMkLst>
+          <pc:docMk/>
+          <pc:sldMk cId="789869961" sldId="329"/>
+        </pc:sldMkLst>
+      </pc:sldChg>
+      <pc:sldChg chg="modTransition">
+        <pc:chgData name="Benjamin Rudski" userId="7f27de5a-3504-4373-b72f-f1b4087044b9" providerId="ADAL" clId="{38311C15-AE62-224B-B612-F505BE60F418}" dt="2023-07-30T18:52:25.987" v="28"/>
+        <pc:sldMkLst>
+          <pc:docMk/>
+          <pc:sldMk cId="2149465877" sldId="331"/>
+        </pc:sldMkLst>
+      </pc:sldChg>
+      <pc:sldChg chg="modTransition">
+        <pc:chgData name="Benjamin Rudski" userId="7f27de5a-3504-4373-b72f-f1b4087044b9" providerId="ADAL" clId="{38311C15-AE62-224B-B612-F505BE60F418}" dt="2023-07-30T18:52:25.987" v="28"/>
+        <pc:sldMkLst>
+          <pc:docMk/>
+          <pc:sldMk cId="2492850709" sldId="332"/>
+        </pc:sldMkLst>
+      </pc:sldChg>
+      <pc:sldChg chg="modSp modTransition modAnim">
+        <pc:chgData name="Benjamin Rudski" userId="7f27de5a-3504-4373-b72f-f1b4087044b9" providerId="ADAL" clId="{38311C15-AE62-224B-B612-F505BE60F418}" dt="2023-08-01T00:13:43.088" v="173"/>
+        <pc:sldMkLst>
+          <pc:docMk/>
+          <pc:sldMk cId="2008938183" sldId="333"/>
+        </pc:sldMkLst>
+        <pc:spChg chg="mod">
+          <ac:chgData name="Benjamin Rudski" userId="7f27de5a-3504-4373-b72f-f1b4087044b9" providerId="ADAL" clId="{38311C15-AE62-224B-B612-F505BE60F418}" dt="2023-07-30T18:50:46.331" v="2" actId="14"/>
+          <ac:spMkLst>
+            <pc:docMk/>
+            <pc:sldMk cId="2008938183" sldId="333"/>
+            <ac:spMk id="3" creationId="{FBBE0CB8-F033-8A8F-F33C-37F8AAB3C24F}"/>
+          </ac:spMkLst>
+        </pc:spChg>
+      </pc:sldChg>
+      <pc:sldChg chg="modSp modTransition modAnim">
+        <pc:chgData name="Benjamin Rudski" userId="7f27de5a-3504-4373-b72f-f1b4087044b9" providerId="ADAL" clId="{38311C15-AE62-224B-B612-F505BE60F418}" dt="2023-07-30T18:52:25.987" v="28"/>
+        <pc:sldMkLst>
+          <pc:docMk/>
+          <pc:sldMk cId="2410703615" sldId="334"/>
+        </pc:sldMkLst>
+        <pc:spChg chg="mod">
+          <ac:chgData name="Benjamin Rudski" userId="7f27de5a-3504-4373-b72f-f1b4087044b9" providerId="ADAL" clId="{38311C15-AE62-224B-B612-F505BE60F418}" dt="2023-07-30T18:51:49.526" v="25" actId="5793"/>
+          <ac:spMkLst>
+            <pc:docMk/>
+            <pc:sldMk cId="2410703615" sldId="334"/>
+            <ac:spMk id="3" creationId="{AA2B6661-1F33-3957-A2B0-114D49640020}"/>
+          </ac:spMkLst>
+        </pc:spChg>
+      </pc:sldChg>
+      <pc:sldChg chg="modTransition">
+        <pc:chgData name="Benjamin Rudski" userId="7f27de5a-3504-4373-b72f-f1b4087044b9" providerId="ADAL" clId="{38311C15-AE62-224B-B612-F505BE60F418}" dt="2023-07-30T18:52:25.987" v="28"/>
+        <pc:sldMkLst>
+          <pc:docMk/>
+          <pc:sldMk cId="802321671" sldId="335"/>
+        </pc:sldMkLst>
+      </pc:sldChg>
+      <pc:sldChg chg="del mod modTransition modShow">
+        <pc:chgData name="Benjamin Rudski" userId="7f27de5a-3504-4373-b72f-f1b4087044b9" providerId="ADAL" clId="{38311C15-AE62-224B-B612-F505BE60F418}" dt="2023-08-01T00:12:58.966" v="171" actId="2696"/>
+        <pc:sldMkLst>
+          <pc:docMk/>
+          <pc:sldMk cId="2780653960" sldId="336"/>
+        </pc:sldMkLst>
+      </pc:sldChg>
+      <pc:sldChg chg="del mod modTransition modShow">
+        <pc:chgData name="Benjamin Rudski" userId="7f27de5a-3504-4373-b72f-f1b4087044b9" providerId="ADAL" clId="{38311C15-AE62-224B-B612-F505BE60F418}" dt="2023-08-01T00:12:58.966" v="171" actId="2696"/>
+        <pc:sldMkLst>
+          <pc:docMk/>
+          <pc:sldMk cId="1074715250" sldId="337"/>
+        </pc:sldMkLst>
+      </pc:sldChg>
+      <pc:sldChg chg="modTransition">
+        <pc:chgData name="Benjamin Rudski" userId="7f27de5a-3504-4373-b72f-f1b4087044b9" providerId="ADAL" clId="{38311C15-AE62-224B-B612-F505BE60F418}" dt="2023-07-30T18:52:25.987" v="28"/>
+        <pc:sldMkLst>
+          <pc:docMk/>
+          <pc:sldMk cId="2428232839" sldId="338"/>
+        </pc:sldMkLst>
+      </pc:sldChg>
+      <pc:sldChg chg="modTransition">
+        <pc:chgData name="Benjamin Rudski" userId="7f27de5a-3504-4373-b72f-f1b4087044b9" providerId="ADAL" clId="{38311C15-AE62-224B-B612-F505BE60F418}" dt="2023-07-30T18:52:25.987" v="28"/>
+        <pc:sldMkLst>
+          <pc:docMk/>
+          <pc:sldMk cId="250540598" sldId="339"/>
+        </pc:sldMkLst>
+      </pc:sldChg>
+      <pc:sldChg chg="addSp delSp modSp mod modTransition">
+        <pc:chgData name="Benjamin Rudski" userId="7f27de5a-3504-4373-b72f-f1b4087044b9" providerId="ADAL" clId="{38311C15-AE62-224B-B612-F505BE60F418}" dt="2023-08-01T00:24:20.229" v="175" actId="478"/>
+        <pc:sldMkLst>
+          <pc:docMk/>
+          <pc:sldMk cId="3427767097" sldId="340"/>
+        </pc:sldMkLst>
+        <pc:picChg chg="add del mod">
+          <ac:chgData name="Benjamin Rudski" userId="7f27de5a-3504-4373-b72f-f1b4087044b9" providerId="ADAL" clId="{38311C15-AE62-224B-B612-F505BE60F418}" dt="2023-08-01T00:24:20.229" v="175" actId="478"/>
+          <ac:picMkLst>
+            <pc:docMk/>
+            <pc:sldMk cId="3427767097" sldId="340"/>
+            <ac:picMk id="2" creationId="{C5E3D8FA-4778-1548-3AFB-99ACED362DF1}"/>
+          </ac:picMkLst>
+        </pc:picChg>
+      </pc:sldChg>
+      <pc:sldMasterChg chg="modTransition modSldLayout">
+        <pc:chgData name="Benjamin Rudski" userId="7f27de5a-3504-4373-b72f-f1b4087044b9" providerId="ADAL" clId="{38311C15-AE62-224B-B612-F505BE60F418}" dt="2023-07-30T18:52:25.987" v="28"/>
+        <pc:sldMasterMkLst>
+          <pc:docMk/>
+          <pc:sldMasterMk cId="1449374226" sldId="2147483660"/>
+        </pc:sldMasterMkLst>
+        <pc:sldLayoutChg chg="modTransition">
+          <pc:chgData name="Benjamin Rudski" userId="7f27de5a-3504-4373-b72f-f1b4087044b9" providerId="ADAL" clId="{38311C15-AE62-224B-B612-F505BE60F418}" dt="2023-07-30T18:52:25.987" v="28"/>
+          <pc:sldLayoutMkLst>
+            <pc:docMk/>
+            <pc:sldMasterMk cId="1449374226" sldId="2147483660"/>
+            <pc:sldLayoutMk cId="3264083727" sldId="2147483661"/>
+          </pc:sldLayoutMkLst>
+        </pc:sldLayoutChg>
+        <pc:sldLayoutChg chg="modTransition">
+          <pc:chgData name="Benjamin Rudski" userId="7f27de5a-3504-4373-b72f-f1b4087044b9" providerId="ADAL" clId="{38311C15-AE62-224B-B612-F505BE60F418}" dt="2023-07-30T18:52:25.987" v="28"/>
+          <pc:sldLayoutMkLst>
+            <pc:docMk/>
+            <pc:sldMasterMk cId="1449374226" sldId="2147483660"/>
+            <pc:sldLayoutMk cId="910829051" sldId="2147483662"/>
+          </pc:sldLayoutMkLst>
+        </pc:sldLayoutChg>
+        <pc:sldLayoutChg chg="modTransition">
+          <pc:chgData name="Benjamin Rudski" userId="7f27de5a-3504-4373-b72f-f1b4087044b9" providerId="ADAL" clId="{38311C15-AE62-224B-B612-F505BE60F418}" dt="2023-07-30T18:52:25.987" v="28"/>
+          <pc:sldLayoutMkLst>
+            <pc:docMk/>
+            <pc:sldMasterMk cId="1449374226" sldId="2147483660"/>
+            <pc:sldLayoutMk cId="1311720174" sldId="2147483663"/>
+          </pc:sldLayoutMkLst>
+        </pc:sldLayoutChg>
+        <pc:sldLayoutChg chg="modTransition">
+          <pc:chgData name="Benjamin Rudski" userId="7f27de5a-3504-4373-b72f-f1b4087044b9" providerId="ADAL" clId="{38311C15-AE62-224B-B612-F505BE60F418}" dt="2023-07-30T18:52:25.987" v="28"/>
+          <pc:sldLayoutMkLst>
+            <pc:docMk/>
+            <pc:sldMasterMk cId="1449374226" sldId="2147483660"/>
+            <pc:sldLayoutMk cId="1884908084" sldId="2147483664"/>
+          </pc:sldLayoutMkLst>
+        </pc:sldLayoutChg>
+        <pc:sldLayoutChg chg="modTransition">
+          <pc:chgData name="Benjamin Rudski" userId="7f27de5a-3504-4373-b72f-f1b4087044b9" providerId="ADAL" clId="{38311C15-AE62-224B-B612-F505BE60F418}" dt="2023-07-30T18:52:25.987" v="28"/>
+          <pc:sldLayoutMkLst>
+            <pc:docMk/>
+            <pc:sldMasterMk cId="1449374226" sldId="2147483660"/>
+            <pc:sldLayoutMk cId="3433175628" sldId="2147483666"/>
+          </pc:sldLayoutMkLst>
+        </pc:sldLayoutChg>
+        <pc:sldLayoutChg chg="modTransition">
+          <pc:chgData name="Benjamin Rudski" userId="7f27de5a-3504-4373-b72f-f1b4087044b9" providerId="ADAL" clId="{38311C15-AE62-224B-B612-F505BE60F418}" dt="2023-07-30T18:52:25.987" v="28"/>
+          <pc:sldLayoutMkLst>
+            <pc:docMk/>
+            <pc:sldMasterMk cId="1449374226" sldId="2147483660"/>
+            <pc:sldLayoutMk cId="2110274006" sldId="2147483667"/>
+          </pc:sldLayoutMkLst>
+        </pc:sldLayoutChg>
+        <pc:sldLayoutChg chg="modTransition">
+          <pc:chgData name="Benjamin Rudski" userId="7f27de5a-3504-4373-b72f-f1b4087044b9" providerId="ADAL" clId="{38311C15-AE62-224B-B612-F505BE60F418}" dt="2023-07-30T18:52:25.987" v="28"/>
+          <pc:sldLayoutMkLst>
+            <pc:docMk/>
+            <pc:sldMasterMk cId="1449374226" sldId="2147483660"/>
+            <pc:sldLayoutMk cId="2749933113" sldId="2147483669"/>
+          </pc:sldLayoutMkLst>
+        </pc:sldLayoutChg>
+        <pc:sldLayoutChg chg="modTransition">
+          <pc:chgData name="Benjamin Rudski" userId="7f27de5a-3504-4373-b72f-f1b4087044b9" providerId="ADAL" clId="{38311C15-AE62-224B-B612-F505BE60F418}" dt="2023-07-30T18:52:25.987" v="28"/>
+          <pc:sldLayoutMkLst>
+            <pc:docMk/>
+            <pc:sldMasterMk cId="1449374226" sldId="2147483660"/>
+            <pc:sldLayoutMk cId="322694191" sldId="2147483670"/>
+          </pc:sldLayoutMkLst>
+        </pc:sldLayoutChg>
+        <pc:sldLayoutChg chg="modTransition">
+          <pc:chgData name="Benjamin Rudski" userId="7f27de5a-3504-4373-b72f-f1b4087044b9" providerId="ADAL" clId="{38311C15-AE62-224B-B612-F505BE60F418}" dt="2023-07-30T18:52:25.987" v="28"/>
+          <pc:sldLayoutMkLst>
+            <pc:docMk/>
+            <pc:sldMasterMk cId="1449374226" sldId="2147483660"/>
+            <pc:sldLayoutMk cId="3350706779" sldId="2147483671"/>
+          </pc:sldLayoutMkLst>
+        </pc:sldLayoutChg>
       </pc:sldMasterChg>
     </pc:docChg>
   </pc:docChgLst>
@@ -7996,7 +8234,7 @@
           <a:p>
             <a:fld id="{217E5156-1B5D-054E-B5B2-E1B1BA160252}" type="datetimeFigureOut">
               <a:rPr lang="fr-FR" smtClean="0"/>
-              <a:t>28/07/2023</a:t>
+              <a:t>30/07/2023</a:t>
             </a:fld>
             <a:endParaRPr lang="fr-FR"/>
           </a:p>
@@ -8607,7 +8845,7 @@
           <a:bodyPr/>
           <a:lstStyle/>
           <a:p>
-            <a:endParaRPr lang="en-US" dirty="0"/>
+            <a:endParaRPr lang="en-CA" dirty="0"/>
           </a:p>
         </p:txBody>
       </p:sp>
@@ -8628,7 +8866,91 @@
           <a:p>
             <a:fld id="{DACBD60B-517C-4242-AE46-E1BD2D086542}" type="slidenum">
               <a:rPr lang="fr-FR" smtClean="0"/>
-              <a:t>15</a:t>
+              <a:t>9</a:t>
+            </a:fld>
+            <a:endParaRPr lang="fr-FR"/>
+          </a:p>
+        </p:txBody>
+      </p:sp>
+    </p:spTree>
+    <p:extLst>
+      <p:ext uri="{BB962C8B-B14F-4D97-AF65-F5344CB8AC3E}">
+        <p14:creationId xmlns:p14="http://schemas.microsoft.com/office/powerpoint/2010/main" val="2899629495"/>
+      </p:ext>
+    </p:extLst>
+  </p:cSld>
+  <p:clrMapOvr>
+    <a:masterClrMapping/>
+  </p:clrMapOvr>
+</p:notes>
+</file>
+
+<file path=ppt/notesSlides/notesSlide4.xml><?xml version="1.0" encoding="utf-8"?>
+<p:notes xmlns:a="http://schemas.openxmlformats.org/drawingml/2006/main" xmlns:r="http://schemas.openxmlformats.org/officeDocument/2006/relationships" xmlns:p="http://schemas.openxmlformats.org/presentationml/2006/main">
+  <p:cSld>
+    <p:spTree>
+      <p:nvGrpSpPr>
+        <p:cNvPr id="1" name=""/>
+        <p:cNvGrpSpPr/>
+        <p:nvPr/>
+      </p:nvGrpSpPr>
+      <p:grpSpPr>
+        <a:xfrm>
+          <a:off x="0" y="0"/>
+          <a:ext cx="0" cy="0"/>
+          <a:chOff x="0" y="0"/>
+          <a:chExt cx="0" cy="0"/>
+        </a:xfrm>
+      </p:grpSpPr>
+      <p:sp>
+        <p:nvSpPr>
+          <p:cNvPr id="2" name="Slide Image Placeholder 1"/>
+          <p:cNvSpPr>
+            <a:spLocks noGrp="1" noRot="1" noChangeAspect="1"/>
+          </p:cNvSpPr>
+          <p:nvPr>
+            <p:ph type="sldImg"/>
+          </p:nvPr>
+        </p:nvSpPr>
+        <p:spPr/>
+      </p:sp>
+      <p:sp>
+        <p:nvSpPr>
+          <p:cNvPr id="3" name="Notes Placeholder 2"/>
+          <p:cNvSpPr>
+            <a:spLocks noGrp="1"/>
+          </p:cNvSpPr>
+          <p:nvPr>
+            <p:ph type="body" idx="1"/>
+          </p:nvPr>
+        </p:nvSpPr>
+        <p:spPr/>
+        <p:txBody>
+          <a:bodyPr/>
+          <a:lstStyle/>
+          <a:p>
+            <a:endParaRPr lang="en-US" dirty="0"/>
+          </a:p>
+        </p:txBody>
+      </p:sp>
+      <p:sp>
+        <p:nvSpPr>
+          <p:cNvPr id="4" name="Slide Number Placeholder 3"/>
+          <p:cNvSpPr>
+            <a:spLocks noGrp="1"/>
+          </p:cNvSpPr>
+          <p:nvPr>
+            <p:ph type="sldNum" sz="quarter" idx="5"/>
+          </p:nvPr>
+        </p:nvSpPr>
+        <p:spPr/>
+        <p:txBody>
+          <a:bodyPr/>
+          <a:lstStyle/>
+          <a:p>
+            <a:fld id="{DACBD60B-517C-4242-AE46-E1BD2D086542}" type="slidenum">
+              <a:rPr lang="fr-FR" smtClean="0"/>
+              <a:t>13</a:t>
             </a:fld>
             <a:endParaRPr lang="fr-FR"/>
           </a:p>
@@ -8638,6 +8960,90 @@
     <p:extLst>
       <p:ext uri="{BB962C8B-B14F-4D97-AF65-F5344CB8AC3E}">
         <p14:creationId xmlns:p14="http://schemas.microsoft.com/office/powerpoint/2010/main" val="1865660032"/>
+      </p:ext>
+    </p:extLst>
+  </p:cSld>
+  <p:clrMapOvr>
+    <a:masterClrMapping/>
+  </p:clrMapOvr>
+</p:notes>
+</file>
+
+<file path=ppt/notesSlides/notesSlide5.xml><?xml version="1.0" encoding="utf-8"?>
+<p:notes xmlns:a="http://schemas.openxmlformats.org/drawingml/2006/main" xmlns:r="http://schemas.openxmlformats.org/officeDocument/2006/relationships" xmlns:p="http://schemas.openxmlformats.org/presentationml/2006/main">
+  <p:cSld>
+    <p:spTree>
+      <p:nvGrpSpPr>
+        <p:cNvPr id="1" name=""/>
+        <p:cNvGrpSpPr/>
+        <p:nvPr/>
+      </p:nvGrpSpPr>
+      <p:grpSpPr>
+        <a:xfrm>
+          <a:off x="0" y="0"/>
+          <a:ext cx="0" cy="0"/>
+          <a:chOff x="0" y="0"/>
+          <a:chExt cx="0" cy="0"/>
+        </a:xfrm>
+      </p:grpSpPr>
+      <p:sp>
+        <p:nvSpPr>
+          <p:cNvPr id="2" name="Slide Image Placeholder 1"/>
+          <p:cNvSpPr>
+            <a:spLocks noGrp="1" noRot="1" noChangeAspect="1"/>
+          </p:cNvSpPr>
+          <p:nvPr>
+            <p:ph type="sldImg"/>
+          </p:nvPr>
+        </p:nvSpPr>
+        <p:spPr/>
+      </p:sp>
+      <p:sp>
+        <p:nvSpPr>
+          <p:cNvPr id="3" name="Notes Placeholder 2"/>
+          <p:cNvSpPr>
+            <a:spLocks noGrp="1"/>
+          </p:cNvSpPr>
+          <p:nvPr>
+            <p:ph type="body" idx="1"/>
+          </p:nvPr>
+        </p:nvSpPr>
+        <p:spPr/>
+        <p:txBody>
+          <a:bodyPr/>
+          <a:lstStyle/>
+          <a:p>
+            <a:endParaRPr lang="en-CA" dirty="0"/>
+          </a:p>
+        </p:txBody>
+      </p:sp>
+      <p:sp>
+        <p:nvSpPr>
+          <p:cNvPr id="4" name="Slide Number Placeholder 3"/>
+          <p:cNvSpPr>
+            <a:spLocks noGrp="1"/>
+          </p:cNvSpPr>
+          <p:nvPr>
+            <p:ph type="sldNum" sz="quarter" idx="5"/>
+          </p:nvPr>
+        </p:nvSpPr>
+        <p:spPr/>
+        <p:txBody>
+          <a:bodyPr/>
+          <a:lstStyle/>
+          <a:p>
+            <a:fld id="{DACBD60B-517C-4242-AE46-E1BD2D086542}" type="slidenum">
+              <a:rPr lang="fr-FR" smtClean="0"/>
+              <a:t>14</a:t>
+            </a:fld>
+            <a:endParaRPr lang="fr-FR"/>
+          </a:p>
+        </p:txBody>
+      </p:sp>
+    </p:spTree>
+    <p:extLst>
+      <p:ext uri="{BB962C8B-B14F-4D97-AF65-F5344CB8AC3E}">
+        <p14:creationId xmlns:p14="http://schemas.microsoft.com/office/powerpoint/2010/main" val="1735119159"/>
       </p:ext>
     </p:extLst>
   </p:cSld>
@@ -9191,6 +9597,18 @@
   <p:clrMapOvr>
     <a:masterClrMapping/>
   </p:clrMapOvr>
+  <mc:AlternateContent xmlns:mc="http://schemas.openxmlformats.org/markup-compatibility/2006">
+    <mc:Choice xmlns:p159="http://schemas.microsoft.com/office/powerpoint/2015/09/main" Requires="p159">
+      <p:transition xmlns:p14="http://schemas.microsoft.com/office/powerpoint/2010/main" spd="slow" p14:dur="2000">
+        <p159:morph option="byObject"/>
+      </p:transition>
+    </mc:Choice>
+    <mc:Fallback>
+      <p:transition spd="slow">
+        <p:fade/>
+      </p:transition>
+    </mc:Fallback>
+  </mc:AlternateContent>
 </p:sldLayout>
 </file>
 
@@ -9439,6 +9857,18 @@
   <p:clrMapOvr>
     <a:masterClrMapping/>
   </p:clrMapOvr>
+  <mc:AlternateContent xmlns:mc="http://schemas.openxmlformats.org/markup-compatibility/2006">
+    <mc:Choice xmlns:p159="http://schemas.microsoft.com/office/powerpoint/2015/09/main" Requires="p159">
+      <p:transition xmlns:p14="http://schemas.microsoft.com/office/powerpoint/2010/main" spd="slow" p14:dur="2000">
+        <p159:morph option="byObject"/>
+      </p:transition>
+    </mc:Choice>
+    <mc:Fallback>
+      <p:transition spd="slow">
+        <p:fade/>
+      </p:transition>
+    </mc:Fallback>
+  </mc:AlternateContent>
 </p:sldLayout>
 </file>
 
@@ -9687,6 +10117,18 @@
   <p:clrMapOvr>
     <a:masterClrMapping/>
   </p:clrMapOvr>
+  <mc:AlternateContent xmlns:mc="http://schemas.openxmlformats.org/markup-compatibility/2006">
+    <mc:Choice xmlns:p159="http://schemas.microsoft.com/office/powerpoint/2015/09/main" Requires="p159">
+      <p:transition xmlns:p14="http://schemas.microsoft.com/office/powerpoint/2010/main" spd="slow" p14:dur="2000">
+        <p159:morph option="byObject"/>
+      </p:transition>
+    </mc:Choice>
+    <mc:Fallback>
+      <p:transition spd="slow">
+        <p:fade/>
+      </p:transition>
+    </mc:Fallback>
+  </mc:AlternateContent>
 </p:sldLayout>
 </file>
 
@@ -9826,6 +10268,18 @@
   <p:clrMapOvr>
     <a:masterClrMapping/>
   </p:clrMapOvr>
+  <mc:AlternateContent xmlns:mc="http://schemas.openxmlformats.org/markup-compatibility/2006">
+    <mc:Choice xmlns:p159="http://schemas.microsoft.com/office/powerpoint/2015/09/main" Requires="p159">
+      <p:transition xmlns:p14="http://schemas.microsoft.com/office/powerpoint/2010/main" spd="slow" p14:dur="2000">
+        <p159:morph option="byObject"/>
+      </p:transition>
+    </mc:Choice>
+    <mc:Fallback>
+      <p:transition spd="slow">
+        <p:fade/>
+      </p:transition>
+    </mc:Fallback>
+  </mc:AlternateContent>
 </p:sldLayout>
 </file>
 
@@ -10068,6 +10522,18 @@
   <p:clrMapOvr>
     <a:masterClrMapping/>
   </p:clrMapOvr>
+  <mc:AlternateContent xmlns:mc="http://schemas.openxmlformats.org/markup-compatibility/2006">
+    <mc:Choice xmlns:p159="http://schemas.microsoft.com/office/powerpoint/2015/09/main" Requires="p159">
+      <p:transition xmlns:p14="http://schemas.microsoft.com/office/powerpoint/2010/main" spd="slow" p14:dur="2000">
+        <p159:morph option="byObject"/>
+      </p:transition>
+    </mc:Choice>
+    <mc:Fallback>
+      <p:transition spd="slow">
+        <p:fade/>
+      </p:transition>
+    </mc:Fallback>
+  </mc:AlternateContent>
 </p:sldLayout>
 </file>
 
@@ -10229,6 +10695,18 @@
   <p:clrMapOvr>
     <a:masterClrMapping/>
   </p:clrMapOvr>
+  <mc:AlternateContent xmlns:mc="http://schemas.openxmlformats.org/markup-compatibility/2006">
+    <mc:Choice xmlns:p159="http://schemas.microsoft.com/office/powerpoint/2015/09/main" Requires="p159">
+      <p:transition xmlns:p14="http://schemas.microsoft.com/office/powerpoint/2010/main" spd="slow" p14:dur="2000">
+        <p159:morph option="byObject"/>
+      </p:transition>
+    </mc:Choice>
+    <mc:Fallback>
+      <p:transition spd="slow">
+        <p:fade/>
+      </p:transition>
+    </mc:Fallback>
+  </mc:AlternateContent>
 </p:sldLayout>
 </file>
 
@@ -10340,6 +10818,18 @@
   <p:clrMapOvr>
     <a:masterClrMapping/>
   </p:clrMapOvr>
+  <mc:AlternateContent xmlns:mc="http://schemas.openxmlformats.org/markup-compatibility/2006">
+    <mc:Choice xmlns:p159="http://schemas.microsoft.com/office/powerpoint/2015/09/main" Requires="p159">
+      <p:transition xmlns:p14="http://schemas.microsoft.com/office/powerpoint/2010/main" spd="slow" p14:dur="2000">
+        <p159:morph option="byObject"/>
+      </p:transition>
+    </mc:Choice>
+    <mc:Fallback>
+      <p:transition spd="slow">
+        <p:fade/>
+      </p:transition>
+    </mc:Fallback>
+  </mc:AlternateContent>
 </p:sldLayout>
 </file>
 
@@ -10428,6 +10918,18 @@
   <p:clrMapOvr>
     <a:masterClrMapping/>
   </p:clrMapOvr>
+  <mc:AlternateContent xmlns:mc="http://schemas.openxmlformats.org/markup-compatibility/2006">
+    <mc:Choice xmlns:p159="http://schemas.microsoft.com/office/powerpoint/2015/09/main" Requires="p159">
+      <p:transition xmlns:p14="http://schemas.microsoft.com/office/powerpoint/2010/main" spd="slow" p14:dur="2000">
+        <p159:morph option="byObject"/>
+      </p:transition>
+    </mc:Choice>
+    <mc:Fallback>
+      <p:transition spd="slow">
+        <p:fade/>
+      </p:transition>
+    </mc:Fallback>
+  </mc:AlternateContent>
 </p:sldLayout>
 </file>
 
@@ -10683,6 +11185,18 @@
   <p:clrMapOvr>
     <a:masterClrMapping/>
   </p:clrMapOvr>
+  <mc:AlternateContent xmlns:mc="http://schemas.openxmlformats.org/markup-compatibility/2006">
+    <mc:Choice xmlns:p159="http://schemas.microsoft.com/office/powerpoint/2015/09/main" Requires="p159">
+      <p:transition xmlns:p14="http://schemas.microsoft.com/office/powerpoint/2010/main" spd="slow" p14:dur="2000">
+        <p159:morph option="byObject"/>
+      </p:transition>
+    </mc:Choice>
+    <mc:Fallback>
+      <p:transition spd="slow">
+        <p:fade/>
+      </p:transition>
+    </mc:Fallback>
+  </mc:AlternateContent>
 </p:sldLayout>
 </file>
 
@@ -11250,6 +11764,18 @@
     <p:sldLayoutId id="2147483667" r:id="rId8"/>
     <p:sldLayoutId id="2147483669" r:id="rId9"/>
   </p:sldLayoutIdLst>
+  <mc:AlternateContent xmlns:mc="http://schemas.openxmlformats.org/markup-compatibility/2006">
+    <mc:Choice xmlns:p159="http://schemas.microsoft.com/office/powerpoint/2015/09/main" Requires="p159">
+      <p:transition xmlns:p14="http://schemas.microsoft.com/office/powerpoint/2010/main" spd="slow" p14:dur="2000">
+        <p159:morph option="byObject"/>
+      </p:transition>
+    </mc:Choice>
+    <mc:Fallback>
+      <p:transition spd="slow">
+        <p:fade/>
+      </p:transition>
+    </mc:Fallback>
+  </mc:AlternateContent>
   <p:hf hdr="0" dt="0"/>
   <p:txStyles>
     <p:titleStyle>
@@ -11719,6 +12245,18 @@
   <p:clrMapOvr>
     <a:masterClrMapping/>
   </p:clrMapOvr>
+  <mc:AlternateContent xmlns:mc="http://schemas.openxmlformats.org/markup-compatibility/2006">
+    <mc:Choice xmlns:p159="http://schemas.microsoft.com/office/powerpoint/2015/09/main" Requires="p159">
+      <p:transition xmlns:p14="http://schemas.microsoft.com/office/powerpoint/2010/main" spd="slow" p14:dur="2000">
+        <p159:morph option="byObject"/>
+      </p:transition>
+    </mc:Choice>
+    <mc:Fallback>
+      <p:transition spd="slow">
+        <p:fade/>
+      </p:transition>
+    </mc:Fallback>
+  </mc:AlternateContent>
 </p:sld>
 </file>
 
@@ -12332,636 +12870,22 @@
   <p:clrMapOvr>
     <a:masterClrMapping/>
   </p:clrMapOvr>
+  <mc:AlternateContent xmlns:mc="http://schemas.openxmlformats.org/markup-compatibility/2006">
+    <mc:Choice xmlns:p159="http://schemas.microsoft.com/office/powerpoint/2015/09/main" Requires="p159">
+      <p:transition xmlns:p14="http://schemas.microsoft.com/office/powerpoint/2010/main" spd="slow" p14:dur="2000">
+        <p159:morph option="byObject"/>
+      </p:transition>
+    </mc:Choice>
+    <mc:Fallback>
+      <p:transition spd="slow">
+        <p:fade/>
+      </p:transition>
+    </mc:Fallback>
+  </mc:AlternateContent>
 </p:sld>
 </file>
 
 <file path=ppt/slides/slide11.xml><?xml version="1.0" encoding="utf-8"?>
-<p:sld xmlns:a="http://schemas.openxmlformats.org/drawingml/2006/main" xmlns:r="http://schemas.openxmlformats.org/officeDocument/2006/relationships" xmlns:p="http://schemas.openxmlformats.org/presentationml/2006/main">
-  <p:cSld>
-    <p:spTree>
-      <p:nvGrpSpPr>
-        <p:cNvPr id="1" name=""/>
-        <p:cNvGrpSpPr/>
-        <p:nvPr/>
-      </p:nvGrpSpPr>
-      <p:grpSpPr>
-        <a:xfrm>
-          <a:off x="0" y="0"/>
-          <a:ext cx="0" cy="0"/>
-          <a:chOff x="0" y="0"/>
-          <a:chExt cx="0" cy="0"/>
-        </a:xfrm>
-      </p:grpSpPr>
-      <p:sp>
-        <p:nvSpPr>
-          <p:cNvPr id="2" name="Title 1">
-            <a:extLst>
-              <a:ext uri="{FF2B5EF4-FFF2-40B4-BE49-F238E27FC236}">
-                <a16:creationId xmlns:a16="http://schemas.microsoft.com/office/drawing/2014/main" id="{0F34FAAF-ED8F-46E2-CFBF-A14749E359ED}"/>
-              </a:ext>
-            </a:extLst>
-          </p:cNvPr>
-          <p:cNvSpPr>
-            <a:spLocks noGrp="1"/>
-          </p:cNvSpPr>
-          <p:nvPr>
-            <p:ph type="title"/>
-          </p:nvPr>
-        </p:nvSpPr>
-        <p:spPr/>
-        <p:txBody>
-          <a:bodyPr/>
-          <a:lstStyle/>
-          <a:p>
-            <a:r>
-              <a:rPr lang="en-US" dirty="0"/>
-              <a:t>Basic Concepts and Definitions</a:t>
-            </a:r>
-          </a:p>
-        </p:txBody>
-      </p:sp>
-      <p:sp>
-        <p:nvSpPr>
-          <p:cNvPr id="3" name="Content Placeholder 2">
-            <a:extLst>
-              <a:ext uri="{FF2B5EF4-FFF2-40B4-BE49-F238E27FC236}">
-                <a16:creationId xmlns:a16="http://schemas.microsoft.com/office/drawing/2014/main" id="{279DCDA3-584A-0638-4726-769F3929FE8E}"/>
-              </a:ext>
-            </a:extLst>
-          </p:cNvPr>
-          <p:cNvSpPr>
-            <a:spLocks noGrp="1"/>
-          </p:cNvSpPr>
-          <p:nvPr>
-            <p:ph idx="1"/>
-          </p:nvPr>
-        </p:nvSpPr>
-        <p:spPr/>
-        <p:txBody>
-          <a:bodyPr/>
-          <a:lstStyle/>
-          <a:p>
-            <a:r>
-              <a:rPr lang="en-US" b="1" dirty="0"/>
-              <a:t>Poll:</a:t>
-            </a:r>
-            <a:r>
-              <a:rPr lang="en-US" dirty="0"/>
-              <a:t> Let’s see how many of you know Shrek…</a:t>
-            </a:r>
-          </a:p>
-        </p:txBody>
-      </p:sp>
-      <p:sp>
-        <p:nvSpPr>
-          <p:cNvPr id="4" name="Footer Placeholder 3">
-            <a:extLst>
-              <a:ext uri="{FF2B5EF4-FFF2-40B4-BE49-F238E27FC236}">
-                <a16:creationId xmlns:a16="http://schemas.microsoft.com/office/drawing/2014/main" id="{69AFDCDA-B82F-65AA-32D0-49FA8608BD2C}"/>
-              </a:ext>
-            </a:extLst>
-          </p:cNvPr>
-          <p:cNvSpPr>
-            <a:spLocks noGrp="1"/>
-          </p:cNvSpPr>
-          <p:nvPr>
-            <p:ph type="ftr" sz="quarter" idx="10"/>
-          </p:nvPr>
-        </p:nvSpPr>
-        <p:spPr/>
-        <p:txBody>
-          <a:bodyPr/>
-          <a:lstStyle/>
-          <a:p>
-            <a:r>
-              <a:rPr lang="en-US"/>
-              <a:t>Intro to Python</a:t>
-            </a:r>
-          </a:p>
-        </p:txBody>
-      </p:sp>
-      <p:sp>
-        <p:nvSpPr>
-          <p:cNvPr id="5" name="Slide Number Placeholder 4">
-            <a:extLst>
-              <a:ext uri="{FF2B5EF4-FFF2-40B4-BE49-F238E27FC236}">
-                <a16:creationId xmlns:a16="http://schemas.microsoft.com/office/drawing/2014/main" id="{F9A2FFCE-9827-28F3-BF45-DBD26C4A0CC1}"/>
-              </a:ext>
-            </a:extLst>
-          </p:cNvPr>
-          <p:cNvSpPr>
-            <a:spLocks noGrp="1"/>
-          </p:cNvSpPr>
-          <p:nvPr>
-            <p:ph type="sldNum" sz="quarter" idx="11"/>
-          </p:nvPr>
-        </p:nvSpPr>
-        <p:spPr/>
-        <p:txBody>
-          <a:bodyPr/>
-          <a:lstStyle/>
-          <a:p>
-            <a:fld id="{C0FF5E2E-24D9-D244-9C77-7F642B452AD3}" type="slidenum">
-              <a:rPr lang="en-US" smtClean="0"/>
-              <a:pPr/>
-              <a:t>11</a:t>
-            </a:fld>
-            <a:endParaRPr lang="en-US"/>
-          </a:p>
-        </p:txBody>
-      </p:sp>
-      <p:sp>
-        <p:nvSpPr>
-          <p:cNvPr id="6" name="Rectangle 5">
-            <a:extLst>
-              <a:ext uri="{FF2B5EF4-FFF2-40B4-BE49-F238E27FC236}">
-                <a16:creationId xmlns:a16="http://schemas.microsoft.com/office/drawing/2014/main" id="{6F5AE2F3-4FC8-56C0-150A-2914CD542505}"/>
-              </a:ext>
-            </a:extLst>
-          </p:cNvPr>
-          <p:cNvSpPr/>
-          <p:nvPr/>
-        </p:nvSpPr>
-        <p:spPr>
-          <a:xfrm>
-            <a:off x="377329" y="2551837"/>
-            <a:ext cx="8389341" cy="1754326"/>
-          </a:xfrm>
-          <a:prstGeom prst="rect">
-            <a:avLst/>
-          </a:prstGeom>
-          <a:noFill/>
-        </p:spPr>
-        <p:txBody>
-          <a:bodyPr wrap="square" lIns="91440" tIns="45720" rIns="91440" bIns="45720">
-            <a:spAutoFit/>
-            <a:scene3d>
-              <a:camera prst="orthographicFront"/>
-              <a:lightRig rig="harsh" dir="t"/>
-            </a:scene3d>
-            <a:sp3d extrusionH="57150" prstMaterial="matte">
-              <a:bevelT w="63500" h="12700" prst="angle"/>
-              <a:contourClr>
-                <a:schemeClr val="bg1">
-                  <a:lumMod val="65000"/>
-                </a:schemeClr>
-              </a:contourClr>
-            </a:sp3d>
-          </a:bodyPr>
-          <a:lstStyle/>
-          <a:p>
-            <a:pPr algn="ctr"/>
-            <a:r>
-              <a:rPr lang="en-US" sz="5400" b="1" cap="none" spc="0" dirty="0">
-                <a:ln/>
-                <a:solidFill>
-                  <a:schemeClr val="accent3"/>
-                </a:solidFill>
-                <a:effectLst/>
-              </a:rPr>
-              <a:t>Programming languages are like onions…</a:t>
-            </a:r>
-          </a:p>
-        </p:txBody>
-      </p:sp>
-      <p:sp>
-        <p:nvSpPr>
-          <p:cNvPr id="7" name="Rectangle 6">
-            <a:extLst>
-              <a:ext uri="{FF2B5EF4-FFF2-40B4-BE49-F238E27FC236}">
-                <a16:creationId xmlns:a16="http://schemas.microsoft.com/office/drawing/2014/main" id="{BE5E4C47-C0ED-F57F-7D2F-8DC4238915A5}"/>
-              </a:ext>
-            </a:extLst>
-          </p:cNvPr>
-          <p:cNvSpPr/>
-          <p:nvPr/>
-        </p:nvSpPr>
-        <p:spPr>
-          <a:xfrm>
-            <a:off x="377328" y="4485551"/>
-            <a:ext cx="8389341" cy="923330"/>
-          </a:xfrm>
-          <a:prstGeom prst="rect">
-            <a:avLst/>
-          </a:prstGeom>
-          <a:noFill/>
-        </p:spPr>
-        <p:txBody>
-          <a:bodyPr wrap="square" lIns="91440" tIns="45720" rIns="91440" bIns="45720">
-            <a:spAutoFit/>
-          </a:bodyPr>
-          <a:lstStyle/>
-          <a:p>
-            <a:pPr algn="ctr"/>
-            <a:r>
-              <a:rPr lang="en-US" sz="5400" b="1" dirty="0">
-                <a:ln w="12700">
-                  <a:solidFill>
-                    <a:schemeClr val="accent1"/>
-                  </a:solidFill>
-                  <a:prstDash val="solid"/>
-                </a:ln>
-                <a:pattFill prst="pct50">
-                  <a:fgClr>
-                    <a:schemeClr val="accent1"/>
-                  </a:fgClr>
-                  <a:bgClr>
-                    <a:schemeClr val="accent1">
-                      <a:lumMod val="20000"/>
-                      <a:lumOff val="80000"/>
-                    </a:schemeClr>
-                  </a:bgClr>
-                </a:pattFill>
-                <a:effectLst>
-                  <a:outerShdw dist="38100" dir="2640000" algn="bl" rotWithShape="0">
-                    <a:schemeClr val="accent1"/>
-                  </a:outerShdw>
-                </a:effectLst>
-              </a:rPr>
-              <a:t>LAYERS!</a:t>
-            </a:r>
-          </a:p>
-        </p:txBody>
-      </p:sp>
-    </p:spTree>
-    <p:extLst>
-      <p:ext uri="{BB962C8B-B14F-4D97-AF65-F5344CB8AC3E}">
-        <p14:creationId xmlns:p14="http://schemas.microsoft.com/office/powerpoint/2010/main" val="2780653960"/>
-      </p:ext>
-    </p:extLst>
-  </p:cSld>
-  <p:clrMapOvr>
-    <a:masterClrMapping/>
-  </p:clrMapOvr>
-  <p:timing>
-    <p:tnLst>
-      <p:par>
-        <p:cTn id="1" dur="indefinite" restart="never" nodeType="tmRoot">
-          <p:childTnLst>
-            <p:seq concurrent="1" nextAc="seek">
-              <p:cTn id="2" dur="indefinite" nodeType="mainSeq">
-                <p:childTnLst>
-                  <p:par>
-                    <p:cTn id="3" fill="hold">
-                      <p:stCondLst>
-                        <p:cond delay="indefinite"/>
-                      </p:stCondLst>
-                      <p:childTnLst>
-                        <p:par>
-                          <p:cTn id="4" fill="hold">
-                            <p:stCondLst>
-                              <p:cond delay="0"/>
-                            </p:stCondLst>
-                            <p:childTnLst>
-                              <p:par>
-                                <p:cTn id="5" presetID="1" presetClass="entr" presetSubtype="0" fill="hold" grpId="0" nodeType="clickEffect">
-                                  <p:stCondLst>
-                                    <p:cond delay="0"/>
-                                  </p:stCondLst>
-                                  <p:childTnLst>
-                                    <p:set>
-                                      <p:cBhvr>
-                                        <p:cTn id="6" dur="1" fill="hold">
-                                          <p:stCondLst>
-                                            <p:cond delay="0"/>
-                                          </p:stCondLst>
-                                        </p:cTn>
-                                        <p:tgtEl>
-                                          <p:spTgt spid="6"/>
-                                        </p:tgtEl>
-                                        <p:attrNameLst>
-                                          <p:attrName>style.visibility</p:attrName>
-                                        </p:attrNameLst>
-                                      </p:cBhvr>
-                                      <p:to>
-                                        <p:strVal val="visible"/>
-                                      </p:to>
-                                    </p:set>
-                                  </p:childTnLst>
-                                </p:cTn>
-                              </p:par>
-                            </p:childTnLst>
-                          </p:cTn>
-                        </p:par>
-                      </p:childTnLst>
-                    </p:cTn>
-                  </p:par>
-                  <p:par>
-                    <p:cTn id="7" fill="hold">
-                      <p:stCondLst>
-                        <p:cond delay="indefinite"/>
-                      </p:stCondLst>
-                      <p:childTnLst>
-                        <p:par>
-                          <p:cTn id="8" fill="hold">
-                            <p:stCondLst>
-                              <p:cond delay="0"/>
-                            </p:stCondLst>
-                            <p:childTnLst>
-                              <p:par>
-                                <p:cTn id="9" presetID="14" presetClass="entr" presetSubtype="10" fill="hold" grpId="0" nodeType="clickEffect">
-                                  <p:stCondLst>
-                                    <p:cond delay="0"/>
-                                  </p:stCondLst>
-                                  <p:childTnLst>
-                                    <p:set>
-                                      <p:cBhvr>
-                                        <p:cTn id="10" dur="1" fill="hold">
-                                          <p:stCondLst>
-                                            <p:cond delay="0"/>
-                                          </p:stCondLst>
-                                        </p:cTn>
-                                        <p:tgtEl>
-                                          <p:spTgt spid="7"/>
-                                        </p:tgtEl>
-                                        <p:attrNameLst>
-                                          <p:attrName>style.visibility</p:attrName>
-                                        </p:attrNameLst>
-                                      </p:cBhvr>
-                                      <p:to>
-                                        <p:strVal val="visible"/>
-                                      </p:to>
-                                    </p:set>
-                                    <p:animEffect transition="in" filter="randombar(horizontal)">
-                                      <p:cBhvr>
-                                        <p:cTn id="11" dur="1000"/>
-                                        <p:tgtEl>
-                                          <p:spTgt spid="7"/>
-                                        </p:tgtEl>
-                                      </p:cBhvr>
-                                    </p:animEffect>
-                                  </p:childTnLst>
-                                </p:cTn>
-                              </p:par>
-                            </p:childTnLst>
-                          </p:cTn>
-                        </p:par>
-                      </p:childTnLst>
-                    </p:cTn>
-                  </p:par>
-                </p:childTnLst>
-              </p:cTn>
-              <p:prevCondLst>
-                <p:cond evt="onPrev" delay="0">
-                  <p:tgtEl>
-                    <p:sldTgt/>
-                  </p:tgtEl>
-                </p:cond>
-              </p:prevCondLst>
-              <p:nextCondLst>
-                <p:cond evt="onNext" delay="0">
-                  <p:tgtEl>
-                    <p:sldTgt/>
-                  </p:tgtEl>
-                </p:cond>
-              </p:nextCondLst>
-            </p:seq>
-          </p:childTnLst>
-        </p:cTn>
-      </p:par>
-    </p:tnLst>
-    <p:bldLst>
-      <p:bldP spid="6" grpId="0"/>
-      <p:bldP spid="7" grpId="0"/>
-    </p:bldLst>
-  </p:timing>
-</p:sld>
-</file>
-
-<file path=ppt/slides/slide12.xml><?xml version="1.0" encoding="utf-8"?>
-<p:sld xmlns:a="http://schemas.openxmlformats.org/drawingml/2006/main" xmlns:r="http://schemas.openxmlformats.org/officeDocument/2006/relationships" xmlns:p="http://schemas.openxmlformats.org/presentationml/2006/main">
-  <p:cSld>
-    <p:spTree>
-      <p:nvGrpSpPr>
-        <p:cNvPr id="1" name=""/>
-        <p:cNvGrpSpPr/>
-        <p:nvPr/>
-      </p:nvGrpSpPr>
-      <p:grpSpPr>
-        <a:xfrm>
-          <a:off x="0" y="0"/>
-          <a:ext cx="0" cy="0"/>
-          <a:chOff x="0" y="0"/>
-          <a:chExt cx="0" cy="0"/>
-        </a:xfrm>
-      </p:grpSpPr>
-      <p:sp>
-        <p:nvSpPr>
-          <p:cNvPr id="2" name="Title 1">
-            <a:extLst>
-              <a:ext uri="{FF2B5EF4-FFF2-40B4-BE49-F238E27FC236}">
-                <a16:creationId xmlns:a16="http://schemas.microsoft.com/office/drawing/2014/main" id="{86B68346-7C2C-7AC4-E1C8-A0CE0BC72CAE}"/>
-              </a:ext>
-            </a:extLst>
-          </p:cNvPr>
-          <p:cNvSpPr>
-            <a:spLocks noGrp="1"/>
-          </p:cNvSpPr>
-          <p:nvPr>
-            <p:ph type="title"/>
-          </p:nvPr>
-        </p:nvSpPr>
-        <p:spPr/>
-        <p:txBody>
-          <a:bodyPr/>
-          <a:lstStyle/>
-          <a:p>
-            <a:r>
-              <a:rPr lang="en-US" dirty="0"/>
-              <a:t>Basic Concepts and Definitions</a:t>
-            </a:r>
-          </a:p>
-        </p:txBody>
-      </p:sp>
-      <p:pic>
-        <p:nvPicPr>
-          <p:cNvPr id="7" name="Content Placeholder 6">
-            <a:extLst>
-              <a:ext uri="{FF2B5EF4-FFF2-40B4-BE49-F238E27FC236}">
-                <a16:creationId xmlns:a16="http://schemas.microsoft.com/office/drawing/2014/main" id="{40035992-C644-0F02-1A3A-D1B2F6A5B783}"/>
-              </a:ext>
-            </a:extLst>
-          </p:cNvPr>
-          <p:cNvPicPr>
-            <a:picLocks noGrp="1" noChangeAspect="1"/>
-          </p:cNvPicPr>
-          <p:nvPr>
-            <p:ph idx="1"/>
-          </p:nvPr>
-        </p:nvPicPr>
-        <p:blipFill>
-          <a:blip r:embed="rId2"/>
-          <a:stretch>
-            <a:fillRect/>
-          </a:stretch>
-        </p:blipFill>
-        <p:spPr>
-          <a:xfrm>
-            <a:off x="2396331" y="1825625"/>
-            <a:ext cx="4351338" cy="4351338"/>
-          </a:xfrm>
-        </p:spPr>
-      </p:pic>
-      <p:sp>
-        <p:nvSpPr>
-          <p:cNvPr id="4" name="Footer Placeholder 3">
-            <a:extLst>
-              <a:ext uri="{FF2B5EF4-FFF2-40B4-BE49-F238E27FC236}">
-                <a16:creationId xmlns:a16="http://schemas.microsoft.com/office/drawing/2014/main" id="{E07FBE66-C8C2-84EF-114E-260CE79AC6B3}"/>
-              </a:ext>
-            </a:extLst>
-          </p:cNvPr>
-          <p:cNvSpPr>
-            <a:spLocks noGrp="1"/>
-          </p:cNvSpPr>
-          <p:nvPr>
-            <p:ph type="ftr" sz="quarter" idx="10"/>
-          </p:nvPr>
-        </p:nvSpPr>
-        <p:spPr/>
-        <p:txBody>
-          <a:bodyPr/>
-          <a:lstStyle/>
-          <a:p>
-            <a:r>
-              <a:rPr lang="en-US"/>
-              <a:t>Intro to Python</a:t>
-            </a:r>
-          </a:p>
-        </p:txBody>
-      </p:sp>
-      <p:sp>
-        <p:nvSpPr>
-          <p:cNvPr id="5" name="Slide Number Placeholder 4">
-            <a:extLst>
-              <a:ext uri="{FF2B5EF4-FFF2-40B4-BE49-F238E27FC236}">
-                <a16:creationId xmlns:a16="http://schemas.microsoft.com/office/drawing/2014/main" id="{74BE10DC-46B3-A995-67A0-79BF0AA6CBA4}"/>
-              </a:ext>
-            </a:extLst>
-          </p:cNvPr>
-          <p:cNvSpPr>
-            <a:spLocks noGrp="1"/>
-          </p:cNvSpPr>
-          <p:nvPr>
-            <p:ph type="sldNum" sz="quarter" idx="11"/>
-          </p:nvPr>
-        </p:nvSpPr>
-        <p:spPr/>
-        <p:txBody>
-          <a:bodyPr/>
-          <a:lstStyle/>
-          <a:p>
-            <a:fld id="{C0FF5E2E-24D9-D244-9C77-7F642B452AD3}" type="slidenum">
-              <a:rPr lang="en-US" smtClean="0"/>
-              <a:pPr/>
-              <a:t>12</a:t>
-            </a:fld>
-            <a:endParaRPr lang="en-US"/>
-          </a:p>
-        </p:txBody>
-      </p:sp>
-      <p:pic>
-        <p:nvPicPr>
-          <p:cNvPr id="8" name="Picture 7">
-            <a:extLst>
-              <a:ext uri="{FF2B5EF4-FFF2-40B4-BE49-F238E27FC236}">
-                <a16:creationId xmlns:a16="http://schemas.microsoft.com/office/drawing/2014/main" id="{E679FEC2-762C-AB4C-1C03-50B3F1F1AA0B}"/>
-              </a:ext>
-            </a:extLst>
-          </p:cNvPr>
-          <p:cNvPicPr>
-            <a:picLocks noChangeAspect="1"/>
-          </p:cNvPicPr>
-          <p:nvPr/>
-        </p:nvPicPr>
-        <p:blipFill>
-          <a:blip r:embed="rId3"/>
-          <a:stretch>
-            <a:fillRect/>
-          </a:stretch>
-        </p:blipFill>
-        <p:spPr>
-          <a:xfrm>
-            <a:off x="628650" y="1467168"/>
-            <a:ext cx="1135310" cy="2946400"/>
-          </a:xfrm>
-          <a:prstGeom prst="rect">
-            <a:avLst/>
-          </a:prstGeom>
-        </p:spPr>
-      </p:pic>
-      <p:sp>
-        <p:nvSpPr>
-          <p:cNvPr id="9" name="Rectangle 8">
-            <a:extLst>
-              <a:ext uri="{FF2B5EF4-FFF2-40B4-BE49-F238E27FC236}">
-                <a16:creationId xmlns:a16="http://schemas.microsoft.com/office/drawing/2014/main" id="{D6EDF66D-FC85-21D8-00D2-C0612EBF361D}"/>
-              </a:ext>
-            </a:extLst>
-          </p:cNvPr>
-          <p:cNvSpPr/>
-          <p:nvPr/>
-        </p:nvSpPr>
-        <p:spPr>
-          <a:xfrm>
-            <a:off x="504790" y="4413568"/>
-            <a:ext cx="1383030" cy="359728"/>
-          </a:xfrm>
-          <a:prstGeom prst="rect">
-            <a:avLst/>
-          </a:prstGeom>
-          <a:solidFill>
-            <a:schemeClr val="bg2"/>
-          </a:solidFill>
-        </p:spPr>
-        <p:style>
-          <a:lnRef idx="2">
-            <a:schemeClr val="accent1">
-              <a:shade val="15000"/>
-            </a:schemeClr>
-          </a:lnRef>
-          <a:fillRef idx="1">
-            <a:schemeClr val="accent1"/>
-          </a:fillRef>
-          <a:effectRef idx="0">
-            <a:schemeClr val="accent1"/>
-          </a:effectRef>
-          <a:fontRef idx="minor">
-            <a:schemeClr val="lt1"/>
-          </a:fontRef>
-        </p:style>
-        <p:txBody>
-          <a:bodyPr rtlCol="0" anchor="ctr"/>
-          <a:lstStyle/>
-          <a:p>
-            <a:pPr algn="ctr"/>
-            <a:r>
-              <a:rPr lang="en-CA" b="1" dirty="0">
-                <a:solidFill>
-                  <a:schemeClr val="tx1"/>
-                </a:solidFill>
-                <a:latin typeface="Courier New" panose="02070309020205020404" pitchFamily="49" charset="0"/>
-                <a:cs typeface="Courier New" panose="02070309020205020404" pitchFamily="49" charset="0"/>
-              </a:rPr>
-              <a:t>Coder</a:t>
-            </a:r>
-          </a:p>
-        </p:txBody>
-      </p:sp>
-    </p:spTree>
-    <p:extLst>
-      <p:ext uri="{BB962C8B-B14F-4D97-AF65-F5344CB8AC3E}">
-        <p14:creationId xmlns:p14="http://schemas.microsoft.com/office/powerpoint/2010/main" val="1074715250"/>
-      </p:ext>
-    </p:extLst>
-  </p:cSld>
-  <p:clrMapOvr>
-    <a:masterClrMapping/>
-  </p:clrMapOvr>
-</p:sld>
-</file>
-
-<file path=ppt/slides/slide13.xml><?xml version="1.0" encoding="utf-8"?>
 <p:sld xmlns:a="http://schemas.openxmlformats.org/drawingml/2006/main" xmlns:r="http://schemas.openxmlformats.org/officeDocument/2006/relationships" xmlns:p="http://schemas.openxmlformats.org/presentationml/2006/main">
   <p:cSld>
     <p:spTree>
@@ -13171,7 +13095,7 @@
             <a:fld id="{C0FF5E2E-24D9-D244-9C77-7F642B452AD3}" type="slidenum">
               <a:rPr lang="en-US" smtClean="0"/>
               <a:pPr/>
-              <a:t>13</a:t>
+              <a:t>11</a:t>
             </a:fld>
             <a:endParaRPr lang="en-US"/>
           </a:p>
@@ -13187,10 +13111,22 @@
   <p:clrMapOvr>
     <a:masterClrMapping/>
   </p:clrMapOvr>
+  <mc:AlternateContent xmlns:mc="http://schemas.openxmlformats.org/markup-compatibility/2006">
+    <mc:Choice xmlns:p159="http://schemas.microsoft.com/office/powerpoint/2015/09/main" Requires="p159">
+      <p:transition xmlns:p14="http://schemas.microsoft.com/office/powerpoint/2010/main" spd="slow" p14:dur="2000">
+        <p159:morph option="byObject"/>
+      </p:transition>
+    </mc:Choice>
+    <mc:Fallback>
+      <p:transition spd="slow">
+        <p:fade/>
+      </p:transition>
+    </mc:Fallback>
+  </mc:AlternateContent>
 </p:sld>
 </file>
 
-<file path=ppt/slides/slide14.xml><?xml version="1.0" encoding="utf-8"?>
+<file path=ppt/slides/slide12.xml><?xml version="1.0" encoding="utf-8"?>
 <p:sld xmlns:a="http://schemas.openxmlformats.org/drawingml/2006/main" xmlns:r="http://schemas.openxmlformats.org/officeDocument/2006/relationships" xmlns:p="http://schemas.openxmlformats.org/presentationml/2006/main">
   <p:cSld>
     <p:spTree>
@@ -13370,7 +13306,7 @@
             <a:fld id="{C0FF5E2E-24D9-D244-9C77-7F642B452AD3}" type="slidenum">
               <a:rPr lang="en-US" smtClean="0"/>
               <a:pPr/>
-              <a:t>14</a:t>
+              <a:t>12</a:t>
             </a:fld>
             <a:endParaRPr lang="en-US"/>
           </a:p>
@@ -13386,10 +13322,22 @@
   <p:clrMapOvr>
     <a:masterClrMapping/>
   </p:clrMapOvr>
+  <mc:AlternateContent xmlns:mc="http://schemas.openxmlformats.org/markup-compatibility/2006">
+    <mc:Choice xmlns:p159="http://schemas.microsoft.com/office/powerpoint/2015/09/main" Requires="p159">
+      <p:transition xmlns:p14="http://schemas.microsoft.com/office/powerpoint/2010/main" spd="slow" p14:dur="2000">
+        <p159:morph option="byObject"/>
+      </p:transition>
+    </mc:Choice>
+    <mc:Fallback>
+      <p:transition spd="slow">
+        <p:fade/>
+      </p:transition>
+    </mc:Fallback>
+  </mc:AlternateContent>
 </p:sld>
 </file>
 
-<file path=ppt/slides/slide15.xml><?xml version="1.0" encoding="utf-8"?>
+<file path=ppt/slides/slide13.xml><?xml version="1.0" encoding="utf-8"?>
 <p:sld xmlns:a="http://schemas.openxmlformats.org/drawingml/2006/main" xmlns:r="http://schemas.openxmlformats.org/officeDocument/2006/relationships" xmlns:p="http://schemas.openxmlformats.org/presentationml/2006/main">
   <p:cSld>
     <p:spTree>
@@ -13524,7 +13472,7 @@
             <a:fld id="{C0FF5E2E-24D9-D244-9C77-7F642B452AD3}" type="slidenum">
               <a:rPr lang="en-US" smtClean="0"/>
               <a:pPr/>
-              <a:t>15</a:t>
+              <a:t>13</a:t>
             </a:fld>
             <a:endParaRPr lang="en-US"/>
           </a:p>
@@ -13641,10 +13589,22 @@
   <p:clrMapOvr>
     <a:masterClrMapping/>
   </p:clrMapOvr>
+  <mc:AlternateContent xmlns:mc="http://schemas.openxmlformats.org/markup-compatibility/2006">
+    <mc:Choice xmlns:p159="http://schemas.microsoft.com/office/powerpoint/2015/09/main" Requires="p159">
+      <p:transition xmlns:p14="http://schemas.microsoft.com/office/powerpoint/2010/main" spd="slow" p14:dur="2000">
+        <p159:morph option="byObject"/>
+      </p:transition>
+    </mc:Choice>
+    <mc:Fallback>
+      <p:transition spd="slow">
+        <p:fade/>
+      </p:transition>
+    </mc:Fallback>
+  </mc:AlternateContent>
 </p:sld>
 </file>
 
-<file path=ppt/slides/slide16.xml><?xml version="1.0" encoding="utf-8"?>
+<file path=ppt/slides/slide14.xml><?xml version="1.0" encoding="utf-8"?>
 <p:sld xmlns:a="http://schemas.openxmlformats.org/drawingml/2006/main" xmlns:r="http://schemas.openxmlformats.org/officeDocument/2006/relationships" xmlns:p="http://schemas.openxmlformats.org/presentationml/2006/main">
   <p:cSld>
     <p:spTree>
@@ -13794,7 +13754,7 @@
             <a:fld id="{C0FF5E2E-24D9-D244-9C77-7F642B452AD3}" type="slidenum">
               <a:rPr lang="en-US" smtClean="0"/>
               <a:pPr/>
-              <a:t>16</a:t>
+              <a:t>14</a:t>
             </a:fld>
             <a:endParaRPr lang="en-US"/>
           </a:p>
@@ -13810,6 +13770,18 @@
   <p:clrMapOvr>
     <a:masterClrMapping/>
   </p:clrMapOvr>
+  <mc:AlternateContent xmlns:mc="http://schemas.openxmlformats.org/markup-compatibility/2006">
+    <mc:Choice xmlns:p159="http://schemas.microsoft.com/office/powerpoint/2015/09/main" Requires="p159">
+      <p:transition xmlns:p14="http://schemas.microsoft.com/office/powerpoint/2010/main" spd="slow" p14:dur="2000">
+        <p159:morph option="byObject"/>
+      </p:transition>
+    </mc:Choice>
+    <mc:Fallback>
+      <p:transition spd="slow">
+        <p:fade/>
+      </p:transition>
+    </mc:Fallback>
+  </mc:AlternateContent>
 </p:sld>
 </file>
 
@@ -13840,6 +13812,18 @@
   <p:clrMapOvr>
     <a:masterClrMapping/>
   </p:clrMapOvr>
+  <mc:AlternateContent xmlns:mc="http://schemas.openxmlformats.org/markup-compatibility/2006">
+    <mc:Choice xmlns:p159="http://schemas.microsoft.com/office/powerpoint/2015/09/main" Requires="p159">
+      <p:transition xmlns:p14="http://schemas.microsoft.com/office/powerpoint/2010/main" spd="slow" p14:dur="2000">
+        <p159:morph option="byObject"/>
+      </p:transition>
+    </mc:Choice>
+    <mc:Fallback>
+      <p:transition spd="slow">
+        <p:fade/>
+      </p:transition>
+    </mc:Fallback>
+  </mc:AlternateContent>
 </p:sld>
 </file>
 
@@ -13928,6 +13912,20 @@
               <a:t>Research on trabecular bone structure in the Reznikov Lab, McGill Bioengineering</a:t>
             </a:r>
           </a:p>
+          <a:p>
+            <a:pPr lvl="1"/>
+            <a:r>
+              <a:rPr lang="en-US" dirty="0"/>
+              <a:t>Using 3D image processing and analysis</a:t>
+            </a:r>
+          </a:p>
+          <a:p>
+            <a:pPr lvl="1"/>
+            <a:r>
+              <a:rPr lang="en-US" dirty="0"/>
+              <a:t>Programming is an almost-daily task in my life.</a:t>
+            </a:r>
+          </a:p>
         </p:txBody>
       </p:sp>
       <p:sp>
@@ -14002,7 +14000,7 @@
         </p:nvSpPr>
         <p:spPr>
           <a:xfrm>
-            <a:off x="1500188" y="4797797"/>
+            <a:off x="1500188" y="4999824"/>
             <a:ext cx="6143625" cy="646331"/>
           </a:xfrm>
           <a:prstGeom prst="rect">
@@ -14037,6 +14035,18 @@
   <p:clrMapOvr>
     <a:masterClrMapping/>
   </p:clrMapOvr>
+  <mc:AlternateContent xmlns:mc="http://schemas.openxmlformats.org/markup-compatibility/2006">
+    <mc:Choice xmlns:p159="http://schemas.microsoft.com/office/powerpoint/2015/09/main" Requires="p159">
+      <p:transition xmlns:p14="http://schemas.microsoft.com/office/powerpoint/2010/main" spd="slow" p14:dur="2000">
+        <p159:morph option="byObject"/>
+      </p:transition>
+    </mc:Choice>
+    <mc:Fallback>
+      <p:transition spd="slow">
+        <p:fade/>
+      </p:transition>
+    </mc:Fallback>
+  </mc:AlternateContent>
 </p:sld>
 </file>
 
@@ -14289,6 +14299,18 @@
   <p:clrMapOvr>
     <a:masterClrMapping/>
   </p:clrMapOvr>
+  <mc:AlternateContent xmlns:mc="http://schemas.openxmlformats.org/markup-compatibility/2006">
+    <mc:Choice xmlns:p159="http://schemas.microsoft.com/office/powerpoint/2015/09/main" Requires="p159">
+      <p:transition xmlns:p14="http://schemas.microsoft.com/office/powerpoint/2010/main" spd="slow" p14:dur="2000">
+        <p159:morph option="byObject"/>
+      </p:transition>
+    </mc:Choice>
+    <mc:Fallback>
+      <p:transition spd="slow">
+        <p:fade/>
+      </p:transition>
+    </mc:Fallback>
+  </mc:AlternateContent>
 </p:sld>
 </file>
 
@@ -14558,6 +14580,18 @@
   <p:clrMapOvr>
     <a:masterClrMapping/>
   </p:clrMapOvr>
+  <mc:AlternateContent xmlns:mc="http://schemas.openxmlformats.org/markup-compatibility/2006">
+    <mc:Choice xmlns:p159="http://schemas.microsoft.com/office/powerpoint/2015/09/main" Requires="p159">
+      <p:transition xmlns:p14="http://schemas.microsoft.com/office/powerpoint/2010/main" spd="slow" p14:dur="2000">
+        <p159:morph option="byObject"/>
+      </p:transition>
+    </mc:Choice>
+    <mc:Fallback>
+      <p:transition spd="slow">
+        <p:fade/>
+      </p:transition>
+    </mc:Fallback>
+  </mc:AlternateContent>
 </p:sld>
 </file>
 
@@ -14682,6 +14716,18 @@
   <p:clrMapOvr>
     <a:masterClrMapping/>
   </p:clrMapOvr>
+  <mc:AlternateContent xmlns:mc="http://schemas.openxmlformats.org/markup-compatibility/2006">
+    <mc:Choice xmlns:p159="http://schemas.microsoft.com/office/powerpoint/2015/09/main" Requires="p159">
+      <p:transition xmlns:p14="http://schemas.microsoft.com/office/powerpoint/2010/main" spd="slow" p14:dur="2000">
+        <p159:morph option="byObject"/>
+      </p:transition>
+    </mc:Choice>
+    <mc:Fallback>
+      <p:transition spd="slow">
+        <p:fade/>
+      </p:transition>
+    </mc:Fallback>
+  </mc:AlternateContent>
 </p:sld>
 </file>
 
@@ -15505,6 +15551,18 @@
   <p:clrMapOvr>
     <a:masterClrMapping/>
   </p:clrMapOvr>
+  <mc:AlternateContent xmlns:mc="http://schemas.openxmlformats.org/markup-compatibility/2006">
+    <mc:Choice xmlns:p159="http://schemas.microsoft.com/office/powerpoint/2015/09/main" Requires="p159">
+      <p:transition xmlns:p14="http://schemas.microsoft.com/office/powerpoint/2010/main" spd="slow" p14:dur="2000">
+        <p159:morph option="byObject"/>
+      </p:transition>
+    </mc:Choice>
+    <mc:Fallback>
+      <p:transition spd="slow">
+        <p:fade/>
+      </p:transition>
+    </mc:Fallback>
+  </mc:AlternateContent>
   <p:timing>
     <p:tnLst>
       <p:par>
@@ -15934,7 +15992,6 @@
             </a:r>
           </a:p>
           <a:p>
-            <a:pPr lvl="1"/>
             <a:r>
               <a:rPr lang="en-US" b="1" dirty="0"/>
               <a:t>Programming!</a:t>
@@ -16039,18 +16096,260 @@
   <p:clrMapOvr>
     <a:masterClrMapping/>
   </p:clrMapOvr>
-  <mc:AlternateContent xmlns:mc="http://schemas.openxmlformats.org/markup-compatibility/2006" xmlns:p159="http://schemas.microsoft.com/office/powerpoint/2015/09/main">
-    <mc:Choice Requires="p159">
+  <mc:AlternateContent xmlns:mc="http://schemas.openxmlformats.org/markup-compatibility/2006">
+    <mc:Choice xmlns:p159="http://schemas.microsoft.com/office/powerpoint/2015/09/main" Requires="p159">
       <p:transition xmlns:p14="http://schemas.microsoft.com/office/powerpoint/2010/main" spd="slow" p14:dur="2000">
-        <p159:morph option="byObject"/>
+        <p159:morph option="byWord"/>
       </p:transition>
     </mc:Choice>
-    <mc:Fallback xmlns="">
+    <mc:Fallback>
       <p:transition spd="slow">
         <p:fade/>
       </p:transition>
     </mc:Fallback>
   </mc:AlternateContent>
+  <p:timing>
+    <p:tnLst>
+      <p:par>
+        <p:cTn id="1" dur="indefinite" restart="never" nodeType="tmRoot">
+          <p:childTnLst>
+            <p:seq concurrent="1" nextAc="seek">
+              <p:cTn id="2" dur="indefinite" nodeType="mainSeq">
+                <p:childTnLst>
+                  <p:par>
+                    <p:cTn id="3" fill="hold">
+                      <p:stCondLst>
+                        <p:cond delay="indefinite"/>
+                      </p:stCondLst>
+                      <p:childTnLst>
+                        <p:par>
+                          <p:cTn id="4" fill="hold">
+                            <p:stCondLst>
+                              <p:cond delay="0"/>
+                            </p:stCondLst>
+                            <p:childTnLst>
+                              <p:par>
+                                <p:cTn id="5" presetID="1" presetClass="entr" presetSubtype="0" fill="hold" grpId="0" nodeType="clickEffect">
+                                  <p:stCondLst>
+                                    <p:cond delay="0"/>
+                                  </p:stCondLst>
+                                  <p:childTnLst>
+                                    <p:set>
+                                      <p:cBhvr>
+                                        <p:cTn id="6" dur="1" fill="hold">
+                                          <p:stCondLst>
+                                            <p:cond delay="0"/>
+                                          </p:stCondLst>
+                                        </p:cTn>
+                                        <p:tgtEl>
+                                          <p:spTgt spid="3">
+                                            <p:txEl>
+                                              <p:pRg st="3" end="3"/>
+                                            </p:txEl>
+                                          </p:spTgt>
+                                        </p:tgtEl>
+                                        <p:attrNameLst>
+                                          <p:attrName>style.visibility</p:attrName>
+                                        </p:attrNameLst>
+                                      </p:cBhvr>
+                                      <p:to>
+                                        <p:strVal val="visible"/>
+                                      </p:to>
+                                    </p:set>
+                                  </p:childTnLst>
+                                </p:cTn>
+                              </p:par>
+                            </p:childTnLst>
+                          </p:cTn>
+                        </p:par>
+                      </p:childTnLst>
+                    </p:cTn>
+                  </p:par>
+                  <p:par>
+                    <p:cTn id="7" fill="hold">
+                      <p:stCondLst>
+                        <p:cond delay="indefinite"/>
+                      </p:stCondLst>
+                      <p:childTnLst>
+                        <p:par>
+                          <p:cTn id="8" fill="hold">
+                            <p:stCondLst>
+                              <p:cond delay="0"/>
+                            </p:stCondLst>
+                            <p:childTnLst>
+                              <p:par>
+                                <p:cTn id="9" presetID="1" presetClass="entr" presetSubtype="0" fill="hold" grpId="0" nodeType="clickEffect">
+                                  <p:stCondLst>
+                                    <p:cond delay="0"/>
+                                  </p:stCondLst>
+                                  <p:childTnLst>
+                                    <p:set>
+                                      <p:cBhvr>
+                                        <p:cTn id="10" dur="1" fill="hold">
+                                          <p:stCondLst>
+                                            <p:cond delay="0"/>
+                                          </p:stCondLst>
+                                        </p:cTn>
+                                        <p:tgtEl>
+                                          <p:spTgt spid="3">
+                                            <p:txEl>
+                                              <p:pRg st="4" end="4"/>
+                                            </p:txEl>
+                                          </p:spTgt>
+                                        </p:tgtEl>
+                                        <p:attrNameLst>
+                                          <p:attrName>style.visibility</p:attrName>
+                                        </p:attrNameLst>
+                                      </p:cBhvr>
+                                      <p:to>
+                                        <p:strVal val="visible"/>
+                                      </p:to>
+                                    </p:set>
+                                  </p:childTnLst>
+                                </p:cTn>
+                              </p:par>
+                            </p:childTnLst>
+                          </p:cTn>
+                        </p:par>
+                      </p:childTnLst>
+                    </p:cTn>
+                  </p:par>
+                  <p:par>
+                    <p:cTn id="11" fill="hold">
+                      <p:stCondLst>
+                        <p:cond delay="indefinite"/>
+                      </p:stCondLst>
+                      <p:childTnLst>
+                        <p:par>
+                          <p:cTn id="12" fill="hold">
+                            <p:stCondLst>
+                              <p:cond delay="0"/>
+                            </p:stCondLst>
+                            <p:childTnLst>
+                              <p:par>
+                                <p:cTn id="13" presetID="1" presetClass="entr" presetSubtype="0" fill="hold" grpId="0" nodeType="clickEffect">
+                                  <p:stCondLst>
+                                    <p:cond delay="0"/>
+                                  </p:stCondLst>
+                                  <p:childTnLst>
+                                    <p:set>
+                                      <p:cBhvr>
+                                        <p:cTn id="14" dur="1" fill="hold">
+                                          <p:stCondLst>
+                                            <p:cond delay="0"/>
+                                          </p:stCondLst>
+                                        </p:cTn>
+                                        <p:tgtEl>
+                                          <p:spTgt spid="3">
+                                            <p:txEl>
+                                              <p:pRg st="5" end="5"/>
+                                            </p:txEl>
+                                          </p:spTgt>
+                                        </p:tgtEl>
+                                        <p:attrNameLst>
+                                          <p:attrName>style.visibility</p:attrName>
+                                        </p:attrNameLst>
+                                      </p:cBhvr>
+                                      <p:to>
+                                        <p:strVal val="visible"/>
+                                      </p:to>
+                                    </p:set>
+                                  </p:childTnLst>
+                                </p:cTn>
+                              </p:par>
+                              <p:par>
+                                <p:cTn id="15" presetID="1" presetClass="entr" presetSubtype="0" fill="hold" grpId="0" nodeType="withEffect">
+                                  <p:stCondLst>
+                                    <p:cond delay="0"/>
+                                  </p:stCondLst>
+                                  <p:childTnLst>
+                                    <p:set>
+                                      <p:cBhvr>
+                                        <p:cTn id="16" dur="1" fill="hold">
+                                          <p:stCondLst>
+                                            <p:cond delay="0"/>
+                                          </p:stCondLst>
+                                        </p:cTn>
+                                        <p:tgtEl>
+                                          <p:spTgt spid="3">
+                                            <p:txEl>
+                                              <p:pRg st="6" end="6"/>
+                                            </p:txEl>
+                                          </p:spTgt>
+                                        </p:tgtEl>
+                                        <p:attrNameLst>
+                                          <p:attrName>style.visibility</p:attrName>
+                                        </p:attrNameLst>
+                                      </p:cBhvr>
+                                      <p:to>
+                                        <p:strVal val="visible"/>
+                                      </p:to>
+                                    </p:set>
+                                  </p:childTnLst>
+                                </p:cTn>
+                              </p:par>
+                              <p:par>
+                                <p:cTn id="17" presetID="1" presetClass="entr" presetSubtype="0" fill="hold" grpId="0" nodeType="withEffect">
+                                  <p:stCondLst>
+                                    <p:cond delay="0"/>
+                                  </p:stCondLst>
+                                  <p:childTnLst>
+                                    <p:set>
+                                      <p:cBhvr>
+                                        <p:cTn id="18" dur="1" fill="hold">
+                                          <p:stCondLst>
+                                            <p:cond delay="0"/>
+                                          </p:stCondLst>
+                                        </p:cTn>
+                                        <p:tgtEl>
+                                          <p:spTgt spid="3">
+                                            <p:txEl>
+                                              <p:pRg st="7" end="7"/>
+                                            </p:txEl>
+                                          </p:spTgt>
+                                        </p:tgtEl>
+                                        <p:attrNameLst>
+                                          <p:attrName>style.visibility</p:attrName>
+                                        </p:attrNameLst>
+                                      </p:cBhvr>
+                                      <p:to>
+                                        <p:strVal val="visible"/>
+                                      </p:to>
+                                    </p:set>
+                                  </p:childTnLst>
+                                </p:cTn>
+                              </p:par>
+                            </p:childTnLst>
+                          </p:cTn>
+                        </p:par>
+                      </p:childTnLst>
+                    </p:cTn>
+                  </p:par>
+                </p:childTnLst>
+              </p:cTn>
+              <p:prevCondLst>
+                <p:cond evt="onPrev" delay="0">
+                  <p:tgtEl>
+                    <p:sldTgt/>
+                  </p:tgtEl>
+                </p:cond>
+              </p:prevCondLst>
+              <p:nextCondLst>
+                <p:cond evt="onNext" delay="0">
+                  <p:tgtEl>
+                    <p:sldTgt/>
+                  </p:tgtEl>
+                </p:cond>
+              </p:nextCondLst>
+            </p:seq>
+          </p:childTnLst>
+        </p:cTn>
+      </p:par>
+    </p:tnLst>
+    <p:bldLst>
+      <p:bldP spid="3" grpId="0" uiExpand="1" build="p"/>
+    </p:bldLst>
+  </p:timing>
 </p:sld>
 </file>
 
@@ -16174,6 +16473,12 @@
               <a:t>(c) Nobody… it’s a useless waste of time!</a:t>
             </a:r>
           </a:p>
+          <a:p>
+            <a:r>
+              <a:rPr lang="en-US" dirty="0"/>
+              <a:t>Let’s see why…</a:t>
+            </a:r>
+          </a:p>
         </p:txBody>
       </p:sp>
       <p:sp>
@@ -16244,6 +16549,18 @@
   <p:clrMapOvr>
     <a:masterClrMapping/>
   </p:clrMapOvr>
+  <mc:AlternateContent xmlns:mc="http://schemas.openxmlformats.org/markup-compatibility/2006">
+    <mc:Choice xmlns:p159="http://schemas.microsoft.com/office/powerpoint/2015/09/main" Requires="p159">
+      <p:transition xmlns:p14="http://schemas.microsoft.com/office/powerpoint/2010/main" spd="slow" p14:dur="2000">
+        <p159:morph option="byObject"/>
+      </p:transition>
+    </mc:Choice>
+    <mc:Fallback>
+      <p:transition spd="slow">
+        <p:fade/>
+      </p:transition>
+    </mc:Fallback>
+  </mc:AlternateContent>
   <p:timing>
     <p:tnLst>
       <p:par>
@@ -16265,7 +16582,281 @@
                             </p:stCondLst>
                             <p:childTnLst>
                               <p:par>
-                                <p:cTn id="5" presetID="16" presetClass="emph" presetSubtype="0" fill="hold" nodeType="clickEffect">
+                                <p:cTn id="5" presetID="1" presetClass="entr" presetSubtype="0" fill="hold" grpId="0" nodeType="clickEffect">
+                                  <p:stCondLst>
+                                    <p:cond delay="0"/>
+                                  </p:stCondLst>
+                                  <p:childTnLst>
+                                    <p:set>
+                                      <p:cBhvr>
+                                        <p:cTn id="6" dur="1" fill="hold">
+                                          <p:stCondLst>
+                                            <p:cond delay="0"/>
+                                          </p:stCondLst>
+                                        </p:cTn>
+                                        <p:tgtEl>
+                                          <p:spTgt spid="3">
+                                            <p:txEl>
+                                              <p:pRg st="0" end="0"/>
+                                            </p:txEl>
+                                          </p:spTgt>
+                                        </p:tgtEl>
+                                        <p:attrNameLst>
+                                          <p:attrName>style.visibility</p:attrName>
+                                        </p:attrNameLst>
+                                      </p:cBhvr>
+                                      <p:to>
+                                        <p:strVal val="visible"/>
+                                      </p:to>
+                                    </p:set>
+                                  </p:childTnLst>
+                                </p:cTn>
+                              </p:par>
+                            </p:childTnLst>
+                          </p:cTn>
+                        </p:par>
+                      </p:childTnLst>
+                    </p:cTn>
+                  </p:par>
+                  <p:par>
+                    <p:cTn id="7" fill="hold">
+                      <p:stCondLst>
+                        <p:cond delay="indefinite"/>
+                      </p:stCondLst>
+                      <p:childTnLst>
+                        <p:par>
+                          <p:cTn id="8" fill="hold">
+                            <p:stCondLst>
+                              <p:cond delay="0"/>
+                            </p:stCondLst>
+                            <p:childTnLst>
+                              <p:par>
+                                <p:cTn id="9" presetID="1" presetClass="entr" presetSubtype="0" fill="hold" grpId="0" nodeType="clickEffect">
+                                  <p:stCondLst>
+                                    <p:cond delay="0"/>
+                                  </p:stCondLst>
+                                  <p:childTnLst>
+                                    <p:set>
+                                      <p:cBhvr>
+                                        <p:cTn id="10" dur="1" fill="hold">
+                                          <p:stCondLst>
+                                            <p:cond delay="0"/>
+                                          </p:stCondLst>
+                                        </p:cTn>
+                                        <p:tgtEl>
+                                          <p:spTgt spid="3">
+                                            <p:txEl>
+                                              <p:pRg st="1" end="1"/>
+                                            </p:txEl>
+                                          </p:spTgt>
+                                        </p:tgtEl>
+                                        <p:attrNameLst>
+                                          <p:attrName>style.visibility</p:attrName>
+                                        </p:attrNameLst>
+                                      </p:cBhvr>
+                                      <p:to>
+                                        <p:strVal val="visible"/>
+                                      </p:to>
+                                    </p:set>
+                                  </p:childTnLst>
+                                </p:cTn>
+                              </p:par>
+                              <p:par>
+                                <p:cTn id="11" presetID="1" presetClass="entr" presetSubtype="0" fill="hold" grpId="0" nodeType="withEffect">
+                                  <p:stCondLst>
+                                    <p:cond delay="0"/>
+                                  </p:stCondLst>
+                                  <p:childTnLst>
+                                    <p:set>
+                                      <p:cBhvr>
+                                        <p:cTn id="12" dur="1" fill="hold">
+                                          <p:stCondLst>
+                                            <p:cond delay="0"/>
+                                          </p:stCondLst>
+                                        </p:cTn>
+                                        <p:tgtEl>
+                                          <p:spTgt spid="3">
+                                            <p:txEl>
+                                              <p:pRg st="2" end="2"/>
+                                            </p:txEl>
+                                          </p:spTgt>
+                                        </p:tgtEl>
+                                        <p:attrNameLst>
+                                          <p:attrName>style.visibility</p:attrName>
+                                        </p:attrNameLst>
+                                      </p:cBhvr>
+                                      <p:to>
+                                        <p:strVal val="visible"/>
+                                      </p:to>
+                                    </p:set>
+                                  </p:childTnLst>
+                                </p:cTn>
+                              </p:par>
+                            </p:childTnLst>
+                          </p:cTn>
+                        </p:par>
+                      </p:childTnLst>
+                    </p:cTn>
+                  </p:par>
+                  <p:par>
+                    <p:cTn id="13" fill="hold">
+                      <p:stCondLst>
+                        <p:cond delay="indefinite"/>
+                      </p:stCondLst>
+                      <p:childTnLst>
+                        <p:par>
+                          <p:cTn id="14" fill="hold">
+                            <p:stCondLst>
+                              <p:cond delay="0"/>
+                            </p:stCondLst>
+                            <p:childTnLst>
+                              <p:par>
+                                <p:cTn id="15" presetID="1" presetClass="entr" presetSubtype="0" fill="hold" grpId="0" nodeType="clickEffect">
+                                  <p:stCondLst>
+                                    <p:cond delay="0"/>
+                                  </p:stCondLst>
+                                  <p:childTnLst>
+                                    <p:set>
+                                      <p:cBhvr>
+                                        <p:cTn id="16" dur="1" fill="hold">
+                                          <p:stCondLst>
+                                            <p:cond delay="0"/>
+                                          </p:stCondLst>
+                                        </p:cTn>
+                                        <p:tgtEl>
+                                          <p:spTgt spid="3">
+                                            <p:txEl>
+                                              <p:pRg st="3" end="3"/>
+                                            </p:txEl>
+                                          </p:spTgt>
+                                        </p:tgtEl>
+                                        <p:attrNameLst>
+                                          <p:attrName>style.visibility</p:attrName>
+                                        </p:attrNameLst>
+                                      </p:cBhvr>
+                                      <p:to>
+                                        <p:strVal val="visible"/>
+                                      </p:to>
+                                    </p:set>
+                                  </p:childTnLst>
+                                </p:cTn>
+                              </p:par>
+                              <p:par>
+                                <p:cTn id="17" presetID="1" presetClass="entr" presetSubtype="0" fill="hold" grpId="0" nodeType="withEffect">
+                                  <p:stCondLst>
+                                    <p:cond delay="0"/>
+                                  </p:stCondLst>
+                                  <p:childTnLst>
+                                    <p:set>
+                                      <p:cBhvr>
+                                        <p:cTn id="18" dur="1" fill="hold">
+                                          <p:stCondLst>
+                                            <p:cond delay="0"/>
+                                          </p:stCondLst>
+                                        </p:cTn>
+                                        <p:tgtEl>
+                                          <p:spTgt spid="3">
+                                            <p:txEl>
+                                              <p:pRg st="4" end="4"/>
+                                            </p:txEl>
+                                          </p:spTgt>
+                                        </p:tgtEl>
+                                        <p:attrNameLst>
+                                          <p:attrName>style.visibility</p:attrName>
+                                        </p:attrNameLst>
+                                      </p:cBhvr>
+                                      <p:to>
+                                        <p:strVal val="visible"/>
+                                      </p:to>
+                                    </p:set>
+                                  </p:childTnLst>
+                                </p:cTn>
+                              </p:par>
+                              <p:par>
+                                <p:cTn id="19" presetID="1" presetClass="entr" presetSubtype="0" fill="hold" grpId="0" nodeType="withEffect">
+                                  <p:stCondLst>
+                                    <p:cond delay="0"/>
+                                  </p:stCondLst>
+                                  <p:iterate type="lt">
+                                    <p:tmAbs val="0"/>
+                                  </p:iterate>
+                                  <p:childTnLst>
+                                    <p:set>
+                                      <p:cBhvr>
+                                        <p:cTn id="20" dur="1" fill="hold">
+                                          <p:stCondLst>
+                                            <p:cond delay="0"/>
+                                          </p:stCondLst>
+                                        </p:cTn>
+                                        <p:tgtEl>
+                                          <p:spTgt spid="3">
+                                            <p:txEl>
+                                              <p:pRg st="5" end="5"/>
+                                            </p:txEl>
+                                          </p:spTgt>
+                                        </p:tgtEl>
+                                        <p:attrNameLst>
+                                          <p:attrName>style.visibility</p:attrName>
+                                        </p:attrNameLst>
+                                      </p:cBhvr>
+                                      <p:to>
+                                        <p:strVal val="visible"/>
+                                      </p:to>
+                                    </p:set>
+                                  </p:childTnLst>
+                                </p:cTn>
+                              </p:par>
+                              <p:par>
+                                <p:cTn id="21" presetID="1" presetClass="entr" presetSubtype="0" fill="hold" grpId="0" nodeType="withEffect">
+                                  <p:stCondLst>
+                                    <p:cond delay="0"/>
+                                  </p:stCondLst>
+                                  <p:childTnLst>
+                                    <p:set>
+                                      <p:cBhvr>
+                                        <p:cTn id="22" dur="1" fill="hold">
+                                          <p:stCondLst>
+                                            <p:cond delay="0"/>
+                                          </p:stCondLst>
+                                        </p:cTn>
+                                        <p:tgtEl>
+                                          <p:spTgt spid="3">
+                                            <p:txEl>
+                                              <p:pRg st="6" end="6"/>
+                                            </p:txEl>
+                                          </p:spTgt>
+                                        </p:tgtEl>
+                                        <p:attrNameLst>
+                                          <p:attrName>style.visibility</p:attrName>
+                                        </p:attrNameLst>
+                                      </p:cBhvr>
+                                      <p:to>
+                                        <p:strVal val="visible"/>
+                                      </p:to>
+                                    </p:set>
+                                  </p:childTnLst>
+                                </p:cTn>
+                              </p:par>
+                            </p:childTnLst>
+                          </p:cTn>
+                        </p:par>
+                      </p:childTnLst>
+                    </p:cTn>
+                  </p:par>
+                  <p:par>
+                    <p:cTn id="23" fill="hold">
+                      <p:stCondLst>
+                        <p:cond delay="indefinite"/>
+                      </p:stCondLst>
+                      <p:childTnLst>
+                        <p:par>
+                          <p:cTn id="24" fill="hold">
+                            <p:stCondLst>
+                              <p:cond delay="0"/>
+                            </p:stCondLst>
+                            <p:childTnLst>
+                              <p:par>
+                                <p:cTn id="25" presetID="16" presetClass="emph" presetSubtype="0" fill="hold" nodeType="clickEffect">
                                   <p:stCondLst>
                                     <p:cond delay="0"/>
                                   </p:stCondLst>
@@ -16275,7 +16866,7 @@
                                   <p:childTnLst>
                                     <p:set>
                                       <p:cBhvr override="childStyle">
-                                        <p:cTn id="6" dur="500" fill="hold"/>
+                                        <p:cTn id="26" dur="500" fill="hold"/>
                                         <p:tgtEl>
                                           <p:spTgt spid="3">
                                             <p:txEl>
@@ -16295,7 +16886,7 @@
                                     </p:set>
                                     <p:set>
                                       <p:cBhvr>
-                                        <p:cTn id="7" dur="500" fill="hold"/>
+                                        <p:cTn id="27" dur="500" fill="hold"/>
                                         <p:tgtEl>
                                           <p:spTgt spid="3">
                                             <p:txEl>
@@ -16315,7 +16906,7 @@
                                     </p:set>
                                     <p:set>
                                       <p:cBhvr>
-                                        <p:cTn id="8" dur="500" fill="hold"/>
+                                        <p:cTn id="28" dur="500" fill="hold"/>
                                         <p:tgtEl>
                                           <p:spTgt spid="3">
                                             <p:txEl>
@@ -16335,7 +16926,7 @@
                                 </p:cTn>
                               </p:par>
                               <p:par>
-                                <p:cTn id="9" presetID="15" presetClass="emph" presetSubtype="0" nodeType="withEffect">
+                                <p:cTn id="29" presetID="15" presetClass="emph" presetSubtype="0" nodeType="withEffect">
                                   <p:stCondLst>
                                     <p:cond delay="0"/>
                                   </p:stCondLst>
@@ -16345,7 +16936,7 @@
                                   <p:childTnLst>
                                     <p:set>
                                       <p:cBhvr override="childStyle">
-                                        <p:cTn id="10" dur="indefinite"/>
+                                        <p:cTn id="30" dur="indefinite"/>
                                         <p:tgtEl>
                                           <p:spTgt spid="3">
                                             <p:txEl>
@@ -16359,6 +16950,55 @@
                                       </p:cBhvr>
                                       <p:to>
                                         <p:strVal val="bold"/>
+                                      </p:to>
+                                    </p:set>
+                                  </p:childTnLst>
+                                </p:cTn>
+                              </p:par>
+                            </p:childTnLst>
+                          </p:cTn>
+                        </p:par>
+                      </p:childTnLst>
+                    </p:cTn>
+                  </p:par>
+                  <p:par>
+                    <p:cTn id="31" fill="hold">
+                      <p:stCondLst>
+                        <p:cond delay="indefinite"/>
+                      </p:stCondLst>
+                      <p:childTnLst>
+                        <p:par>
+                          <p:cTn id="32" fill="hold">
+                            <p:stCondLst>
+                              <p:cond delay="0"/>
+                            </p:stCondLst>
+                            <p:childTnLst>
+                              <p:par>
+                                <p:cTn id="33" presetID="1" presetClass="entr" presetSubtype="0" fill="hold" grpId="0" nodeType="clickEffect">
+                                  <p:stCondLst>
+                                    <p:cond delay="0"/>
+                                  </p:stCondLst>
+                                  <p:childTnLst>
+                                    <p:set>
+                                      <p:cBhvr>
+                                        <p:cTn id="34" dur="1" fill="hold">
+                                          <p:stCondLst>
+                                            <p:cond delay="0"/>
+                                          </p:stCondLst>
+                                        </p:cTn>
+                                        <p:tgtEl>
+                                          <p:spTgt spid="3">
+                                            <p:txEl>
+                                              <p:pRg st="7" end="7"/>
+                                            </p:txEl>
+                                          </p:spTgt>
+                                        </p:tgtEl>
+                                        <p:attrNameLst>
+                                          <p:attrName>style.visibility</p:attrName>
+                                        </p:attrNameLst>
+                                      </p:cBhvr>
+                                      <p:to>
+                                        <p:strVal val="visible"/>
                                       </p:to>
                                     </p:set>
                                   </p:childTnLst>
@@ -16391,6 +17031,9 @@
         </p:cTn>
       </p:par>
     </p:tnLst>
+    <p:bldLst>
+      <p:bldP spid="3" grpId="0" build="p"/>
+    </p:bldLst>
   </p:timing>
 </p:sld>
 </file>
